--- a/docs/1주차-세미나(Leo Yang).pptx
+++ b/docs/1주차-세미나(Leo Yang).pptx
@@ -145,7 +145,7 @@
 <file path=ppt/revisionInfo.xml><?xml version="1.0" encoding="utf-8"?>
 <p1510:revInfo xmlns:a="http://schemas.openxmlformats.org/drawingml/2006/main" xmlns:r="http://schemas.openxmlformats.org/officeDocument/2006/relationships" xmlns:p1510="http://schemas.microsoft.com/office/powerpoint/2015/10/main">
   <p1510:revLst>
-    <p1510:client id="{2479DBBD-1B78-DF70-842C-507CE88D6F0B}" v="716" dt="2025-01-15T01:31:13.286"/>
+    <p1510:client id="{2479DBBD-1B78-DF70-842C-507CE88D6F0B}" v="1128" dt="2025-01-15T02:26:09.160"/>
     <p1510:client id="{2606C04B-2B12-E811-C643-78D473DB06B6}" v="11" dt="2025-01-14T08:37:06.515"/>
     <p1510:client id="{71C16103-6F0F-5A73-2EB1-D98B301FA5B5}" v="369" dt="2025-01-14T01:41:26.244"/>
     <p1510:client id="{DDAB6C3C-6868-F21A-79B6-3CD22E5E1750}" v="4115" dt="2025-01-14T08:07:53.448"/>
@@ -235,7 +235,7 @@
           <a:p>
             <a:fld id="{8483A704-DDA5-403B-8F16-BDACA17DD07C}" type="datetimeFigureOut">
               <a:rPr lang="ko-KR" altLang="en-US" smtClean="0"/>
-              <a:t>2025-01-14</a:t>
+              <a:t>2025-01-15</a:t>
             </a:fld>
             <a:endParaRPr lang="ko-KR" altLang="en-US"/>
           </a:p>
@@ -2257,7 +2257,7 @@
           <a:p>
             <a:fld id="{13109F14-E776-46A0-B2C2-315522427AB4}" type="datetime1">
               <a:rPr lang="ko-KR" altLang="en-US" smtClean="0"/>
-              <a:t>2025-01-14</a:t>
+              <a:t>2025-01-15</a:t>
             </a:fld>
             <a:endParaRPr lang="en-US"/>
           </a:p>
@@ -3200,7 +3200,7 @@
         <p:spPr>
           <a:xfrm>
             <a:off x="478834" y="7085963"/>
-            <a:ext cx="11237173" cy="584775"/>
+            <a:ext cx="11237173" cy="338554"/>
           </a:xfrm>
           <a:prstGeom prst="rect">
             <a:avLst/>
@@ -3214,84 +3214,12 @@
           <a:lstStyle/>
           <a:p>
             <a:r>
-              <a:rPr lang="ko-KR" altLang="en-US" sz="1600" err="1">
-                <a:solidFill>
-                  <a:srgbClr val="0070C0"/>
-                </a:solidFill>
-              </a:rPr>
-              <a:t>청크</a:t>
-            </a:r>
-            <a:r>
               <a:rPr lang="ko-KR" altLang="en-US" sz="1600">
                 <a:solidFill>
                   <a:srgbClr val="0070C0"/>
                 </a:solidFill>
               </a:rPr>
-              <a:t> 업로드 방식을 통해서 파일을 일정 크기로 나눈 후(</a:t>
-            </a:r>
-            <a:r>
-              <a:rPr lang="ko-KR" altLang="en-US" sz="1600" err="1">
-                <a:solidFill>
-                  <a:srgbClr val="0070C0"/>
-                </a:solidFill>
-              </a:rPr>
-              <a:t>청크</a:t>
-            </a:r>
-            <a:r>
-              <a:rPr lang="ko-KR" altLang="en-US" sz="1600">
-                <a:solidFill>
-                  <a:srgbClr val="0070C0"/>
-                </a:solidFill>
-              </a:rPr>
-              <a:t>) 이를 서버로 전송하면서 </a:t>
-            </a:r>
-            <a:r>
-              <a:rPr lang="ko-KR" altLang="en-US" sz="1600" err="1">
-                <a:solidFill>
-                  <a:srgbClr val="0070C0"/>
-                </a:solidFill>
-              </a:rPr>
-              <a:t>청크</a:t>
-            </a:r>
-            <a:r>
-              <a:rPr lang="ko-KR" altLang="en-US" sz="1600">
-                <a:solidFill>
-                  <a:srgbClr val="0070C0"/>
-                </a:solidFill>
-              </a:rPr>
-              <a:t> 토큰 </a:t>
-            </a:r>
-            <a:r>
-              <a:rPr lang="ko-KR" altLang="en-US" sz="1600" err="1">
-                <a:solidFill>
-                  <a:srgbClr val="0070C0"/>
-                </a:solidFill>
-              </a:rPr>
-              <a:t>or</a:t>
-            </a:r>
-            <a:r>
-              <a:rPr lang="ko-KR" altLang="en-US" sz="1600">
-                <a:solidFill>
-                  <a:srgbClr val="0070C0"/>
-                </a:solidFill>
-              </a:rPr>
-              <a:t> </a:t>
-            </a:r>
-            <a:r>
-              <a:rPr lang="ko-KR" altLang="en-US" sz="1600" err="1">
-                <a:solidFill>
-                  <a:srgbClr val="0070C0"/>
-                </a:solidFill>
-              </a:rPr>
-              <a:t>청크</a:t>
-            </a:r>
-            <a:r>
-              <a:rPr lang="ko-KR" altLang="en-US" sz="1600">
-                <a:solidFill>
-                  <a:srgbClr val="0070C0"/>
-                </a:solidFill>
-              </a:rPr>
-              <a:t> 인덱스를 통해서 전송 상황을 확인하며 중간에 끊긴 경우도 중간부터 다시 전송이 가능하다.</a:t>
+              <a:t>코드를 실행할 수 없는 환경인 경우를 대비한 실행화면</a:t>
             </a:r>
           </a:p>
         </p:txBody>
@@ -3419,7 +3347,7 @@
               <a:buAutoNum type="arabicPeriod"/>
             </a:pPr>
             <a:r>
-              <a:rPr lang="ko-KR" altLang="en-US" sz="2400" dirty="0">
+              <a:rPr lang="ko-KR" altLang="en-US" sz="2400">
                 <a:latin typeface="Malgun Gothic"/>
                 <a:ea typeface="Malgun Gothic"/>
               </a:rPr>
@@ -3430,7 +3358,7 @@
             <a:pPr marL="342900" indent="-342900">
               <a:buAutoNum type="arabicPeriod"/>
             </a:pPr>
-            <a:endParaRPr lang="ko-KR" altLang="en-US" sz="600" dirty="0">
+            <a:endParaRPr lang="ko-KR" altLang="en-US" sz="600">
               <a:latin typeface="Malgun Gothic"/>
               <a:ea typeface="Malgun Gothic"/>
             </a:endParaRPr>
@@ -3440,7 +3368,7 @@
               <a:buAutoNum type="arabicPeriod"/>
             </a:pPr>
             <a:r>
-              <a:rPr lang="ko-KR" altLang="en-US" sz="2400" dirty="0">
+              <a:rPr lang="ko-KR" altLang="en-US" sz="2400">
                 <a:latin typeface="Malgun Gothic"/>
                 <a:ea typeface="Malgun Gothic"/>
               </a:rPr>
@@ -3451,7 +3379,7 @@
             <a:pPr marL="342900" indent="-342900">
               <a:buAutoNum type="arabicPeriod"/>
             </a:pPr>
-            <a:endParaRPr lang="ko-KR" altLang="en-US" sz="600" dirty="0">
+            <a:endParaRPr lang="ko-KR" altLang="en-US" sz="600">
               <a:latin typeface="Malgun Gothic"/>
               <a:ea typeface="Malgun Gothic"/>
             </a:endParaRPr>
@@ -3461,7 +3389,7 @@
               <a:buAutoNum type="arabicPeriod"/>
             </a:pPr>
             <a:r>
-              <a:rPr lang="ko-KR" altLang="en-US" sz="2400" dirty="0">
+              <a:rPr lang="ko-KR" altLang="en-US" sz="2400">
                 <a:latin typeface="Malgun Gothic"/>
                 <a:ea typeface="Malgun Gothic"/>
               </a:rPr>
@@ -3471,34 +3399,34 @@
           <a:p>
             <a:pPr lvl="1"/>
             <a:r>
-              <a:rPr lang="ko-KR" altLang="en-US" dirty="0">
+              <a:rPr lang="ko-KR" altLang="en-US">
                 <a:latin typeface="Malgun Gothic"/>
                 <a:ea typeface="Malgun Gothic"/>
               </a:rPr>
               <a:t>3.1. </a:t>
             </a:r>
             <a:r>
-              <a:rPr lang="ko-KR" altLang="en-US" dirty="0" err="1">
+              <a:rPr lang="ko-KR" altLang="en-US" err="1">
                 <a:latin typeface="Malgun Gothic"/>
                 <a:ea typeface="Malgun Gothic"/>
               </a:rPr>
               <a:t>Chunk</a:t>
             </a:r>
             <a:r>
-              <a:rPr lang="ko-KR" altLang="en-US" dirty="0">
+              <a:rPr lang="ko-KR" altLang="en-US">
                 <a:latin typeface="Malgun Gothic"/>
                 <a:ea typeface="Malgun Gothic"/>
               </a:rPr>
               <a:t> </a:t>
             </a:r>
             <a:r>
-              <a:rPr lang="ko-KR" altLang="en-US" dirty="0" err="1">
+              <a:rPr lang="ko-KR" altLang="en-US" err="1">
                 <a:latin typeface="Malgun Gothic"/>
                 <a:ea typeface="Malgun Gothic"/>
               </a:rPr>
               <a:t>Upload</a:t>
             </a:r>
-            <a:endParaRPr lang="ko-KR" altLang="en-US" dirty="0">
+            <a:endParaRPr lang="ko-KR" altLang="en-US">
               <a:latin typeface="Malgun Gothic"/>
               <a:ea typeface="Malgun Gothic"/>
             </a:endParaRPr>
@@ -3508,14 +3436,14 @@
               <a:buFont typeface="Courier New"/>
             </a:pPr>
             <a:r>
-              <a:rPr lang="ko-KR" altLang="en-US" dirty="0">
+              <a:rPr lang="ko-KR" altLang="en-US">
                 <a:latin typeface="Malgun Gothic"/>
                 <a:ea typeface="Malgun Gothic"/>
               </a:rPr>
               <a:t>3.2.</a:t>
             </a:r>
             <a:r>
-              <a:rPr lang="ko-KR" altLang="en-US" dirty="0">
+              <a:rPr lang="ko-KR" altLang="en-US">
                 <a:latin typeface="Malgun Gothic"/>
                 <a:ea typeface="Malgun Gothic"/>
                 <a:cs typeface="+mn-lt"/>
@@ -3523,34 +3451,34 @@
               <a:t> </a:t>
             </a:r>
             <a:r>
-              <a:rPr lang="ko-KR" dirty="0">
+              <a:rPr lang="ko-KR">
                 <a:ea typeface="+mn-lt"/>
                 <a:cs typeface="+mn-lt"/>
               </a:rPr>
               <a:t>HTTP </a:t>
             </a:r>
             <a:r>
-              <a:rPr lang="ko-KR" dirty="0" err="1">
+              <a:rPr lang="ko-KR" err="1">
                 <a:ea typeface="+mn-lt"/>
                 <a:cs typeface="+mn-lt"/>
               </a:rPr>
               <a:t>Range</a:t>
             </a:r>
             <a:r>
-              <a:rPr lang="ko-KR" dirty="0">
+              <a:rPr lang="ko-KR">
                 <a:ea typeface="+mn-lt"/>
                 <a:cs typeface="+mn-lt"/>
               </a:rPr>
               <a:t> </a:t>
             </a:r>
             <a:r>
-              <a:rPr lang="ko-KR" dirty="0" err="1">
+              <a:rPr lang="ko-KR" err="1">
                 <a:ea typeface="+mn-lt"/>
                 <a:cs typeface="+mn-lt"/>
               </a:rPr>
               <a:t>Request</a:t>
             </a:r>
-            <a:endParaRPr lang="ko-KR" dirty="0">
+            <a:endParaRPr lang="ko-KR">
               <a:ea typeface="+mn-lt"/>
               <a:cs typeface="+mn-lt"/>
             </a:endParaRPr>
@@ -3565,7 +3493,7 @@
               <a:t>3.3. SFTP</a:t>
             </a:r>
             <a:r>
-              <a:rPr lang="ko-KR" altLang="en-US" dirty="0">
+              <a:rPr lang="ko-KR" altLang="en-US">
                 <a:latin typeface="Malgun Gothic"/>
                 <a:ea typeface="Malgun Gothic"/>
                 <a:cs typeface="+mn-lt"/>
@@ -3587,7 +3515,7 @@
               <a:t>Secure</a:t>
             </a:r>
             <a:r>
-              <a:rPr lang="ko-KR" sz="1600" dirty="0">
+              <a:rPr lang="ko-KR" sz="1600">
                 <a:ea typeface="+mn-lt"/>
                 <a:cs typeface="+mn-lt"/>
               </a:rPr>
@@ -3601,7 +3529,7 @@
               <a:t>Shell</a:t>
             </a:r>
             <a:r>
-              <a:rPr lang="ko-KR" sz="1600" dirty="0">
+              <a:rPr lang="ko-KR" sz="1600">
                 <a:ea typeface="+mn-lt"/>
                 <a:cs typeface="+mn-lt"/>
               </a:rPr>
@@ -3629,7 +3557,7 @@
               <a:t>Protocol</a:t>
             </a:r>
             <a:r>
-              <a:rPr lang="ko-KR" sz="1600" dirty="0">
+              <a:rPr lang="ko-KR" sz="1600">
                 <a:ea typeface="+mn-lt"/>
                 <a:cs typeface="+mn-lt"/>
               </a:rPr>
@@ -3640,7 +3568,7 @@
             <a:pPr marL="342900" indent="-342900">
               <a:buAutoNum type="arabicPeriod"/>
             </a:pPr>
-            <a:endParaRPr lang="ko-KR" altLang="en-US" sz="600" dirty="0">
+            <a:endParaRPr lang="ko-KR" altLang="en-US" sz="600">
               <a:latin typeface="Malgun Gothic"/>
               <a:ea typeface="Malgun Gothic"/>
             </a:endParaRPr>
@@ -3650,7 +3578,7 @@
               <a:buAutoNum type="arabicPeriod"/>
             </a:pPr>
             <a:r>
-              <a:rPr lang="ko-KR" altLang="en-US" sz="2400" dirty="0">
+              <a:rPr lang="ko-KR" altLang="en-US" sz="2400">
                 <a:latin typeface="Malgun Gothic"/>
                 <a:ea typeface="Malgun Gothic"/>
               </a:rPr>
@@ -4351,31 +4279,6 @@
       </p:sp>
       <p:sp>
         <p:nvSpPr>
-          <p:cNvPr id="4" name="텍스트 개체 틀 3">
-            <a:extLst>
-              <a:ext uri="{FF2B5EF4-FFF2-40B4-BE49-F238E27FC236}">
-                <a16:creationId xmlns:a16="http://schemas.microsoft.com/office/drawing/2014/main" id="{29BB1114-89DB-4AAC-6DF1-FB67488D799E}"/>
-              </a:ext>
-            </a:extLst>
-          </p:cNvPr>
-          <p:cNvSpPr>
-            <a:spLocks noGrp="1"/>
-          </p:cNvSpPr>
-          <p:nvPr>
-            <p:ph type="body" sz="quarter" idx="14"/>
-          </p:nvPr>
-        </p:nvSpPr>
-        <p:spPr/>
-        <p:txBody>
-          <a:bodyPr/>
-          <a:lstStyle/>
-          <a:p>
-            <a:endParaRPr lang="ko-KR" altLang="en-US"/>
-          </a:p>
-        </p:txBody>
-      </p:sp>
-      <p:sp>
-        <p:nvSpPr>
           <p:cNvPr id="38" name="TextBox 37">
             <a:extLst>
               <a:ext uri="{FF2B5EF4-FFF2-40B4-BE49-F238E27FC236}">
@@ -4411,7 +4314,7 @@
           <a:p>
             <a:r>
               <a:rPr lang="ko-KR" altLang="en-US"/>
-              <a:t>- 클라이언트 -&gt; 서버 방식</a:t>
+              <a:t>- 클라이언트 -&gt; 서버</a:t>
             </a:r>
           </a:p>
           <a:p>
@@ -4579,6 +4482,61 @@
               </a:rPr>
               <a:t> 문제점이 존재</a:t>
             </a:r>
+          </a:p>
+        </p:txBody>
+      </p:sp>
+      <p:pic>
+        <p:nvPicPr>
+          <p:cNvPr id="2" name="그림 1" descr="텍스트, 스크린샷, 폰트이(가) 표시된 사진&#10;&#10;자동 생성된 설명">
+            <a:extLst>
+              <a:ext uri="{FF2B5EF4-FFF2-40B4-BE49-F238E27FC236}">
+                <a16:creationId xmlns:a16="http://schemas.microsoft.com/office/drawing/2014/main" id="{08272825-DAA5-92E0-6466-E96B2053841D}"/>
+              </a:ext>
+            </a:extLst>
+          </p:cNvPr>
+          <p:cNvPicPr>
+            <a:picLocks noChangeAspect="1"/>
+          </p:cNvPicPr>
+          <p:nvPr/>
+        </p:nvPicPr>
+        <p:blipFill>
+          <a:blip r:embed="rId2"/>
+          <a:stretch>
+            <a:fillRect/>
+          </a:stretch>
+        </p:blipFill>
+        <p:spPr>
+          <a:xfrm>
+            <a:off x="1735667" y="4322234"/>
+            <a:ext cx="8720666" cy="2370666"/>
+          </a:xfrm>
+          <a:prstGeom prst="rect">
+            <a:avLst/>
+          </a:prstGeom>
+        </p:spPr>
+      </p:pic>
+      <p:sp>
+        <p:nvSpPr>
+          <p:cNvPr id="7" name="텍스트 개체 틀 6">
+            <a:extLst>
+              <a:ext uri="{FF2B5EF4-FFF2-40B4-BE49-F238E27FC236}">
+                <a16:creationId xmlns:a16="http://schemas.microsoft.com/office/drawing/2014/main" id="{59BA0170-5A0B-76C3-8EB8-C8CCD048DEB6}"/>
+              </a:ext>
+            </a:extLst>
+          </p:cNvPr>
+          <p:cNvSpPr>
+            <a:spLocks noGrp="1"/>
+          </p:cNvSpPr>
+          <p:nvPr>
+            <p:ph type="body" sz="quarter" idx="14"/>
+          </p:nvPr>
+        </p:nvSpPr>
+        <p:spPr/>
+        <p:txBody>
+          <a:bodyPr/>
+          <a:lstStyle/>
+          <a:p>
+            <a:endParaRPr lang="ko-KR" altLang="en-US"/>
           </a:p>
         </p:txBody>
       </p:sp>
@@ -4645,38 +4603,6 @@
       </p:sp>
       <p:sp>
         <p:nvSpPr>
-          <p:cNvPr id="4" name="텍스트 개체 틀 3">
-            <a:extLst>
-              <a:ext uri="{FF2B5EF4-FFF2-40B4-BE49-F238E27FC236}">
-                <a16:creationId xmlns:a16="http://schemas.microsoft.com/office/drawing/2014/main" id="{29BB1114-89DB-4AAC-6DF1-FB67488D799E}"/>
-              </a:ext>
-            </a:extLst>
-          </p:cNvPr>
-          <p:cNvSpPr>
-            <a:spLocks noGrp="1"/>
-          </p:cNvSpPr>
-          <p:nvPr>
-            <p:ph type="body" sz="quarter" idx="14"/>
-          </p:nvPr>
-        </p:nvSpPr>
-        <p:spPr>
-          <a:xfrm>
-            <a:off x="11728127" y="333930"/>
-            <a:ext cx="92397" cy="272382"/>
-          </a:xfrm>
-        </p:spPr>
-        <p:txBody>
-          <a:bodyPr wrap="none" lIns="91440" tIns="45720" rIns="0" bIns="45720" rtlCol="0" anchor="t">
-            <a:spAutoFit/>
-          </a:bodyPr>
-          <a:lstStyle/>
-          <a:p>
-            <a:endParaRPr lang="ko-KR" altLang="en-US"/>
-          </a:p>
-        </p:txBody>
-      </p:sp>
-      <p:sp>
-        <p:nvSpPr>
           <p:cNvPr id="38" name="TextBox 37">
             <a:extLst>
               <a:ext uri="{FF2B5EF4-FFF2-40B4-BE49-F238E27FC236}">
@@ -4704,26 +4630,26 @@
           <a:lstStyle/>
           <a:p>
             <a:r>
-              <a:rPr lang="ko-KR" altLang="en-US" sz="1600" b="1" dirty="0"/>
+              <a:rPr lang="ko-KR" altLang="en-US" sz="1600" b="1"/>
               <a:t>1. </a:t>
             </a:r>
             <a:r>
-              <a:rPr lang="ko-KR" altLang="en-US" sz="1600" b="1" dirty="0" err="1"/>
+              <a:rPr lang="ko-KR" altLang="en-US" sz="1600" b="1" err="1"/>
               <a:t>청크</a:t>
             </a:r>
             <a:r>
-              <a:rPr lang="ko-KR" altLang="en-US" sz="1600" b="1" dirty="0"/>
+              <a:rPr lang="ko-KR" altLang="en-US" sz="1600" b="1"/>
               <a:t>(</a:t>
             </a:r>
             <a:r>
-              <a:rPr lang="ko-KR" altLang="en-US" sz="1600" b="1" dirty="0" err="1"/>
+              <a:rPr lang="ko-KR" altLang="en-US" sz="1600" b="1" err="1"/>
               <a:t>Chunk</a:t>
             </a:r>
             <a:r>
-              <a:rPr lang="ko-KR" altLang="en-US" sz="1600" b="1" dirty="0"/>
+              <a:rPr lang="ko-KR" altLang="en-US" sz="1600" b="1"/>
               <a:t>) 업로드 방식</a:t>
             </a:r>
-            <a:endParaRPr lang="ko-KR" b="1" dirty="0"/>
+            <a:endParaRPr lang="ko-KR" b="1"/>
           </a:p>
           <a:p>
             <a:pPr marL="285750" indent="-285750">
@@ -4731,34 +4657,34 @@
               <a:buChar char="-"/>
             </a:pPr>
             <a:r>
-              <a:rPr lang="ko-KR" altLang="en-US" sz="1600" dirty="0" err="1"/>
+              <a:rPr lang="ko-KR" altLang="en-US" sz="1600" err="1"/>
               <a:t>청크</a:t>
             </a:r>
             <a:r>
-              <a:rPr lang="ko-KR" altLang="en-US" sz="1600" dirty="0"/>
+              <a:rPr lang="ko-KR" altLang="en-US" sz="1600"/>
               <a:t>: 파일을 여러 조각(</a:t>
             </a:r>
             <a:r>
-              <a:rPr lang="ko-KR" altLang="en-US" sz="1600" dirty="0" err="1"/>
+              <a:rPr lang="ko-KR" altLang="en-US" sz="1600" err="1"/>
               <a:t>Chunk</a:t>
             </a:r>
             <a:r>
-              <a:rPr lang="ko-KR" altLang="en-US" sz="1600" dirty="0"/>
+              <a:rPr lang="ko-KR" altLang="en-US" sz="1600"/>
               <a:t>)</a:t>
             </a:r>
             <a:r>
-              <a:rPr lang="ko-KR" altLang="en-US" sz="1600" dirty="0" err="1"/>
+              <a:rPr lang="ko-KR" altLang="en-US" sz="1600" err="1"/>
               <a:t>으로</a:t>
             </a:r>
             <a:r>
-              <a:rPr lang="ko-KR" altLang="en-US" sz="1600" dirty="0"/>
+              <a:rPr lang="ko-KR" altLang="en-US" sz="1600"/>
               <a:t> 나누어 전송하는 </a:t>
             </a:r>
             <a:r>
-              <a:rPr lang="ko-KR" altLang="en-US" sz="1600" dirty="0" err="1"/>
+              <a:rPr lang="ko-KR" altLang="en-US" sz="1600" err="1"/>
               <a:t>방시</a:t>
             </a:r>
-            <a:endParaRPr lang="ko-KR" altLang="en-US" sz="1600" dirty="0"/>
+            <a:endParaRPr lang="ko-KR" altLang="en-US" sz="1600"/>
           </a:p>
           <a:p>
             <a:pPr marL="285750" indent="-285750">
@@ -4766,31 +4692,31 @@
               <a:buChar char="-"/>
             </a:pPr>
             <a:r>
-              <a:rPr lang="ko-KR" altLang="en-US" sz="1600" dirty="0"/>
+              <a:rPr lang="ko-KR" altLang="en-US" sz="1600"/>
               <a:t>예) 1GB 파일을 10MB로 나누어 100개의 </a:t>
             </a:r>
             <a:r>
-              <a:rPr lang="ko-KR" altLang="en-US" sz="1600" dirty="0" err="1"/>
+              <a:rPr lang="ko-KR" altLang="en-US" sz="1600" err="1"/>
               <a:t>청크로</a:t>
             </a:r>
             <a:r>
-              <a:rPr lang="ko-KR" altLang="en-US" sz="1600" dirty="0"/>
-              <a:t> </a:t>
-            </a:r>
-            <a:r>
-              <a:rPr lang="ko-KR" altLang="en-US" sz="1600" dirty="0" err="1"/>
+              <a:rPr lang="ko-KR" altLang="en-US" sz="1600"/>
+              <a:t> </a:t>
+            </a:r>
+            <a:r>
+              <a:rPr lang="ko-KR" altLang="en-US" sz="1600" err="1"/>
               <a:t>전송예</a:t>
             </a:r>
             <a:r>
-              <a:rPr lang="ko-KR" altLang="en-US" sz="1600" dirty="0"/>
+              <a:rPr lang="ko-KR" altLang="en-US" sz="1600"/>
               <a:t>) 1GB 파일을 10MB로 나누어 100개의 </a:t>
             </a:r>
             <a:r>
-              <a:rPr lang="ko-KR" altLang="en-US" sz="1600" dirty="0" err="1"/>
+              <a:rPr lang="ko-KR" altLang="en-US" sz="1600" err="1"/>
               <a:t>청크로</a:t>
             </a:r>
             <a:r>
-              <a:rPr lang="ko-KR" altLang="en-US" sz="1600" dirty="0"/>
+              <a:rPr lang="ko-KR" altLang="en-US" sz="1600"/>
               <a:t> 전송</a:t>
             </a:r>
           </a:p>
@@ -4816,7 +4742,7 @@
           </a:p>
           <a:p>
             <a:r>
-              <a:rPr lang="ko-KR" altLang="en-US" sz="1600" b="1" dirty="0">
+              <a:rPr lang="ko-KR" altLang="en-US" sz="1600" b="1">
                 <a:latin typeface="Arial"/>
                 <a:cs typeface="Arial"/>
               </a:rPr>
@@ -4829,21 +4755,21 @@
               <a:buChar char="-"/>
             </a:pPr>
             <a:r>
-              <a:rPr lang="ko-KR" altLang="en-US" sz="1600" dirty="0">
+              <a:rPr lang="ko-KR" altLang="en-US" sz="1600">
                 <a:latin typeface="Arial"/>
                 <a:cs typeface="Arial"/>
               </a:rPr>
               <a:t>전송 중 연결이 끊기더라도 이미 전송 완료된 </a:t>
             </a:r>
             <a:r>
-              <a:rPr lang="ko-KR" altLang="en-US" sz="1600" dirty="0" err="1">
+              <a:rPr lang="ko-KR" altLang="en-US" sz="1600" err="1">
                 <a:latin typeface="Arial"/>
                 <a:cs typeface="Arial"/>
               </a:rPr>
               <a:t>청크는</a:t>
             </a:r>
             <a:r>
-              <a:rPr lang="ko-KR" altLang="en-US" sz="1600" dirty="0">
+              <a:rPr lang="ko-KR" altLang="en-US" sz="1600">
                 <a:latin typeface="Arial"/>
                 <a:cs typeface="Arial"/>
               </a:rPr>
@@ -4856,42 +4782,42 @@
               <a:buChar char="-"/>
             </a:pPr>
             <a:r>
-              <a:rPr lang="ko-KR" altLang="en-US" sz="1600" dirty="0" err="1">
+              <a:rPr lang="ko-KR" altLang="en-US" sz="1600" err="1">
                 <a:latin typeface="Arial"/>
                 <a:cs typeface="Arial"/>
               </a:rPr>
               <a:t>청크</a:t>
             </a:r>
             <a:r>
-              <a:rPr lang="ko-KR" altLang="en-US" sz="1600" dirty="0">
+              <a:rPr lang="ko-KR" altLang="en-US" sz="1600">
                 <a:latin typeface="Arial"/>
                 <a:cs typeface="Arial"/>
               </a:rPr>
               <a:t> 인덱스 등을 통해서 어느 부분까지 전송이 완료되었는지 기록 -&gt; 전송 </a:t>
             </a:r>
             <a:r>
-              <a:rPr lang="ko-KR" altLang="en-US" sz="1600" dirty="0" err="1">
+              <a:rPr lang="ko-KR" altLang="en-US" sz="1600" err="1">
                 <a:latin typeface="Arial"/>
                 <a:cs typeface="Arial"/>
               </a:rPr>
               <a:t>중단시</a:t>
             </a:r>
             <a:r>
-              <a:rPr lang="ko-KR" altLang="en-US" sz="1600" dirty="0">
+              <a:rPr lang="ko-KR" altLang="en-US" sz="1600">
                 <a:latin typeface="Arial"/>
                 <a:cs typeface="Arial"/>
               </a:rPr>
               <a:t> 0%부터가 아닌 기록된 </a:t>
             </a:r>
             <a:r>
-              <a:rPr lang="ko-KR" altLang="en-US" sz="1600" dirty="0" err="1">
+              <a:rPr lang="ko-KR" altLang="en-US" sz="1600" err="1">
                 <a:latin typeface="Arial"/>
                 <a:cs typeface="Arial"/>
               </a:rPr>
               <a:t>청크</a:t>
             </a:r>
             <a:r>
-              <a:rPr lang="ko-KR" altLang="en-US" sz="1600" dirty="0">
+              <a:rPr lang="ko-KR" altLang="en-US" sz="1600">
                 <a:latin typeface="Arial"/>
                 <a:cs typeface="Arial"/>
               </a:rPr>
@@ -4910,20 +4836,20 @@
           </a:p>
           <a:p>
             <a:r>
-              <a:rPr lang="en-US" altLang="ko-KR" sz="1600" b="1" dirty="0">
+              <a:rPr lang="en-US" altLang="ko-KR" sz="1600" b="1">
                 <a:latin typeface="Arial"/>
                 <a:cs typeface="Arial"/>
               </a:rPr>
               <a:t>3. </a:t>
             </a:r>
             <a:r>
-              <a:rPr lang="en-US" altLang="ko-KR" sz="1600" b="1" dirty="0" err="1">
+              <a:rPr lang="en-US" altLang="ko-KR" sz="1600" b="1" err="1">
                 <a:latin typeface="Arial"/>
                 <a:cs typeface="Arial"/>
               </a:rPr>
               <a:t>단점</a:t>
             </a:r>
-            <a:endParaRPr lang="en-US" altLang="ko-KR" sz="1600" b="1" dirty="0">
+            <a:endParaRPr lang="en-US" altLang="ko-KR" sz="1600" b="1">
               <a:latin typeface="Arial"/>
               <a:cs typeface="Arial"/>
             </a:endParaRPr>
@@ -4934,196 +4860,196 @@
               <a:buChar char="-"/>
             </a:pPr>
             <a:r>
-              <a:rPr lang="en-US" altLang="ko-KR" sz="1600" dirty="0" err="1">
+              <a:rPr lang="en-US" altLang="ko-KR" sz="1600" err="1">
                 <a:latin typeface="Arial"/>
                 <a:cs typeface="Arial"/>
               </a:rPr>
               <a:t>청크</a:t>
             </a:r>
             <a:r>
-              <a:rPr lang="en-US" altLang="ko-KR" sz="1600" dirty="0">
-                <a:latin typeface="Arial"/>
-                <a:cs typeface="Arial"/>
-              </a:rPr>
-              <a:t> </a:t>
-            </a:r>
-            <a:r>
-              <a:rPr lang="en-US" altLang="ko-KR" sz="1600" dirty="0" err="1">
+              <a:rPr lang="en-US" altLang="ko-KR" sz="1600">
+                <a:latin typeface="Arial"/>
+                <a:cs typeface="Arial"/>
+              </a:rPr>
+              <a:t> </a:t>
+            </a:r>
+            <a:r>
+              <a:rPr lang="en-US" altLang="ko-KR" sz="1600" err="1">
                 <a:latin typeface="Arial"/>
                 <a:cs typeface="Arial"/>
               </a:rPr>
               <a:t>내부에서</a:t>
             </a:r>
             <a:r>
-              <a:rPr lang="en-US" altLang="ko-KR" sz="1600" dirty="0">
-                <a:latin typeface="Arial"/>
-                <a:cs typeface="Arial"/>
-              </a:rPr>
-              <a:t> </a:t>
-            </a:r>
-            <a:r>
-              <a:rPr lang="en-US" altLang="ko-KR" sz="1600" dirty="0" err="1">
+              <a:rPr lang="en-US" altLang="ko-KR" sz="1600">
+                <a:latin typeface="Arial"/>
+                <a:cs typeface="Arial"/>
+              </a:rPr>
+              <a:t> </a:t>
+            </a:r>
+            <a:r>
+              <a:rPr lang="en-US" altLang="ko-KR" sz="1600" err="1">
                 <a:latin typeface="Arial"/>
                 <a:cs typeface="Arial"/>
               </a:rPr>
               <a:t>전송이</a:t>
             </a:r>
             <a:r>
-              <a:rPr lang="en-US" altLang="ko-KR" sz="1600" dirty="0">
-                <a:latin typeface="Arial"/>
-                <a:cs typeface="Arial"/>
-              </a:rPr>
-              <a:t> </a:t>
-            </a:r>
-            <a:r>
-              <a:rPr lang="en-US" altLang="ko-KR" sz="1600" dirty="0" err="1">
+              <a:rPr lang="en-US" altLang="ko-KR" sz="1600">
+                <a:latin typeface="Arial"/>
+                <a:cs typeface="Arial"/>
+              </a:rPr>
+              <a:t> </a:t>
+            </a:r>
+            <a:r>
+              <a:rPr lang="en-US" altLang="ko-KR" sz="1600" err="1">
                 <a:latin typeface="Arial"/>
                 <a:cs typeface="Arial"/>
               </a:rPr>
               <a:t>중지되는</a:t>
             </a:r>
             <a:r>
-              <a:rPr lang="en-US" altLang="ko-KR" sz="1600" dirty="0">
-                <a:latin typeface="Arial"/>
-                <a:cs typeface="Arial"/>
-              </a:rPr>
-              <a:t> </a:t>
-            </a:r>
-            <a:r>
-              <a:rPr lang="en-US" altLang="ko-KR" sz="1600" dirty="0" err="1">
+              <a:rPr lang="en-US" altLang="ko-KR" sz="1600">
+                <a:latin typeface="Arial"/>
+                <a:cs typeface="Arial"/>
+              </a:rPr>
+              <a:t> </a:t>
+            </a:r>
+            <a:r>
+              <a:rPr lang="en-US" altLang="ko-KR" sz="1600" err="1">
                 <a:latin typeface="Arial"/>
                 <a:cs typeface="Arial"/>
               </a:rPr>
               <a:t>경우</a:t>
             </a:r>
             <a:r>
-              <a:rPr lang="en-US" altLang="ko-KR" sz="1600" dirty="0">
-                <a:latin typeface="Arial"/>
-                <a:cs typeface="Arial"/>
-              </a:rPr>
-              <a:t> </a:t>
-            </a:r>
-            <a:r>
-              <a:rPr lang="en-US" altLang="ko-KR" sz="1600" dirty="0" err="1">
+              <a:rPr lang="en-US" altLang="ko-KR" sz="1600">
+                <a:latin typeface="Arial"/>
+                <a:cs typeface="Arial"/>
+              </a:rPr>
+              <a:t> </a:t>
+            </a:r>
+            <a:r>
+              <a:rPr lang="en-US" altLang="ko-KR" sz="1600" err="1">
                 <a:latin typeface="Arial"/>
                 <a:cs typeface="Arial"/>
               </a:rPr>
               <a:t>청크를</a:t>
             </a:r>
             <a:r>
-              <a:rPr lang="en-US" altLang="ko-KR" sz="1600" dirty="0">
-                <a:latin typeface="Arial"/>
-                <a:cs typeface="Arial"/>
-              </a:rPr>
-              <a:t> </a:t>
-            </a:r>
-            <a:r>
-              <a:rPr lang="en-US" altLang="ko-KR" sz="1600" dirty="0" err="1">
+              <a:rPr lang="en-US" altLang="ko-KR" sz="1600">
+                <a:latin typeface="Arial"/>
+                <a:cs typeface="Arial"/>
+              </a:rPr>
+              <a:t> </a:t>
+            </a:r>
+            <a:r>
+              <a:rPr lang="en-US" altLang="ko-KR" sz="1600" err="1">
                 <a:latin typeface="Arial"/>
                 <a:cs typeface="Arial"/>
               </a:rPr>
               <a:t>다시</a:t>
             </a:r>
             <a:r>
-              <a:rPr lang="en-US" altLang="ko-KR" sz="1600" dirty="0">
-                <a:latin typeface="Arial"/>
-                <a:cs typeface="Arial"/>
-              </a:rPr>
-              <a:t> </a:t>
-            </a:r>
-            <a:r>
-              <a:rPr lang="en-US" altLang="ko-KR" sz="1600" dirty="0" err="1">
+              <a:rPr lang="en-US" altLang="ko-KR" sz="1600">
+                <a:latin typeface="Arial"/>
+                <a:cs typeface="Arial"/>
+              </a:rPr>
+              <a:t> </a:t>
+            </a:r>
+            <a:r>
+              <a:rPr lang="en-US" altLang="ko-KR" sz="1600" err="1">
                 <a:latin typeface="Arial"/>
                 <a:cs typeface="Arial"/>
               </a:rPr>
               <a:t>재전송</a:t>
             </a:r>
             <a:r>
-              <a:rPr lang="en-US" altLang="ko-KR" sz="1600" dirty="0">
-                <a:latin typeface="Arial"/>
-                <a:cs typeface="Arial"/>
-              </a:rPr>
-              <a:t> </a:t>
-            </a:r>
-            <a:r>
-              <a:rPr lang="en-US" altLang="ko-KR" sz="1600" dirty="0" err="1">
+              <a:rPr lang="en-US" altLang="ko-KR" sz="1600">
+                <a:latin typeface="Arial"/>
+                <a:cs typeface="Arial"/>
+              </a:rPr>
+              <a:t> </a:t>
+            </a:r>
+            <a:r>
+              <a:rPr lang="en-US" altLang="ko-KR" sz="1600" err="1">
                 <a:latin typeface="Arial"/>
                 <a:cs typeface="Arial"/>
               </a:rPr>
               <a:t>해야한다</a:t>
             </a:r>
             <a:r>
-              <a:rPr lang="en-US" altLang="ko-KR" sz="1600" dirty="0">
+              <a:rPr lang="en-US" altLang="ko-KR" sz="1600">
                 <a:latin typeface="Arial"/>
                 <a:cs typeface="Arial"/>
               </a:rPr>
               <a:t>(</a:t>
             </a:r>
             <a:r>
-              <a:rPr lang="en-US" altLang="ko-KR" sz="1600" dirty="0" err="1">
+              <a:rPr lang="en-US" altLang="ko-KR" sz="1600" err="1">
                 <a:latin typeface="Arial"/>
                 <a:cs typeface="Arial"/>
               </a:rPr>
               <a:t>적절한</a:t>
             </a:r>
             <a:r>
-              <a:rPr lang="en-US" altLang="ko-KR" sz="1600" dirty="0">
-                <a:latin typeface="Arial"/>
-                <a:cs typeface="Arial"/>
-              </a:rPr>
-              <a:t> </a:t>
-            </a:r>
-            <a:r>
-              <a:rPr lang="en-US" altLang="ko-KR" sz="1600" dirty="0" err="1">
+              <a:rPr lang="en-US" altLang="ko-KR" sz="1600">
+                <a:latin typeface="Arial"/>
+                <a:cs typeface="Arial"/>
+              </a:rPr>
+              <a:t> </a:t>
+            </a:r>
+            <a:r>
+              <a:rPr lang="en-US" altLang="ko-KR" sz="1600" err="1">
                 <a:latin typeface="Arial"/>
                 <a:cs typeface="Arial"/>
               </a:rPr>
               <a:t>청크</a:t>
             </a:r>
             <a:r>
-              <a:rPr lang="en-US" altLang="ko-KR" sz="1600" dirty="0">
-                <a:latin typeface="Arial"/>
-                <a:cs typeface="Arial"/>
-              </a:rPr>
-              <a:t> </a:t>
-            </a:r>
-            <a:r>
-              <a:rPr lang="en-US" altLang="ko-KR" sz="1600" dirty="0" err="1">
+              <a:rPr lang="en-US" altLang="ko-KR" sz="1600">
+                <a:latin typeface="Arial"/>
+                <a:cs typeface="Arial"/>
+              </a:rPr>
+              <a:t> </a:t>
+            </a:r>
+            <a:r>
+              <a:rPr lang="en-US" altLang="ko-KR" sz="1600" err="1">
                 <a:latin typeface="Arial"/>
                 <a:cs typeface="Arial"/>
               </a:rPr>
               <a:t>크기를</a:t>
             </a:r>
             <a:r>
-              <a:rPr lang="en-US" altLang="ko-KR" sz="1600" dirty="0">
-                <a:latin typeface="Arial"/>
-                <a:cs typeface="Arial"/>
-              </a:rPr>
-              <a:t> </a:t>
-            </a:r>
-            <a:r>
-              <a:rPr lang="en-US" altLang="ko-KR" sz="1600" dirty="0" err="1">
+              <a:rPr lang="en-US" altLang="ko-KR" sz="1600">
+                <a:latin typeface="Arial"/>
+                <a:cs typeface="Arial"/>
+              </a:rPr>
+              <a:t> </a:t>
+            </a:r>
+            <a:r>
+              <a:rPr lang="en-US" altLang="ko-KR" sz="1600" err="1">
                 <a:latin typeface="Arial"/>
                 <a:cs typeface="Arial"/>
               </a:rPr>
               <a:t>찾아야</a:t>
             </a:r>
             <a:r>
-              <a:rPr lang="en-US" altLang="ko-KR" sz="1600" dirty="0">
-                <a:latin typeface="Arial"/>
-                <a:cs typeface="Arial"/>
-              </a:rPr>
-              <a:t> </a:t>
-            </a:r>
-            <a:r>
-              <a:rPr lang="en-US" altLang="ko-KR" sz="1600" dirty="0" err="1">
+              <a:rPr lang="en-US" altLang="ko-KR" sz="1600">
+                <a:latin typeface="Arial"/>
+                <a:cs typeface="Arial"/>
+              </a:rPr>
+              <a:t> </a:t>
+            </a:r>
+            <a:r>
+              <a:rPr lang="en-US" altLang="ko-KR" sz="1600" err="1">
                 <a:latin typeface="Arial"/>
                 <a:cs typeface="Arial"/>
               </a:rPr>
               <a:t>한다</a:t>
             </a:r>
             <a:r>
-              <a:rPr lang="en-US" altLang="ko-KR" sz="1600" dirty="0">
+              <a:rPr lang="en-US" altLang="ko-KR" sz="1600">
                 <a:latin typeface="Arial"/>
                 <a:cs typeface="Arial"/>
               </a:rPr>
@@ -5136,112 +5062,112 @@
               <a:buChar char="-"/>
             </a:pPr>
             <a:r>
-              <a:rPr lang="en-US" altLang="ko-KR" sz="1600" dirty="0" err="1">
+              <a:rPr lang="en-US" altLang="ko-KR" sz="1600" err="1">
                 <a:latin typeface="Arial"/>
                 <a:cs typeface="Arial"/>
               </a:rPr>
               <a:t>소규모</a:t>
             </a:r>
             <a:r>
-              <a:rPr lang="en-US" altLang="ko-KR" sz="1600" dirty="0">
-                <a:latin typeface="Arial"/>
-                <a:cs typeface="Arial"/>
-              </a:rPr>
-              <a:t> </a:t>
-            </a:r>
-            <a:r>
-              <a:rPr lang="en-US" altLang="ko-KR" sz="1600" dirty="0" err="1">
+              <a:rPr lang="en-US" altLang="ko-KR" sz="1600">
+                <a:latin typeface="Arial"/>
+                <a:cs typeface="Arial"/>
+              </a:rPr>
+              <a:t> </a:t>
+            </a:r>
+            <a:r>
+              <a:rPr lang="en-US" altLang="ko-KR" sz="1600" err="1">
                 <a:latin typeface="Arial"/>
                 <a:cs typeface="Arial"/>
               </a:rPr>
               <a:t>파일의</a:t>
             </a:r>
             <a:r>
-              <a:rPr lang="en-US" altLang="ko-KR" sz="1600" dirty="0">
-                <a:latin typeface="Arial"/>
-                <a:cs typeface="Arial"/>
-              </a:rPr>
-              <a:t> </a:t>
-            </a:r>
-            <a:r>
-              <a:rPr lang="en-US" altLang="ko-KR" sz="1600" dirty="0" err="1">
+              <a:rPr lang="en-US" altLang="ko-KR" sz="1600">
+                <a:latin typeface="Arial"/>
+                <a:cs typeface="Arial"/>
+              </a:rPr>
+              <a:t> </a:t>
+            </a:r>
+            <a:r>
+              <a:rPr lang="en-US" altLang="ko-KR" sz="1600" err="1">
                 <a:latin typeface="Arial"/>
                 <a:cs typeface="Arial"/>
               </a:rPr>
               <a:t>경우에는</a:t>
             </a:r>
             <a:r>
-              <a:rPr lang="en-US" altLang="ko-KR" sz="1600" dirty="0">
-                <a:latin typeface="Arial"/>
-                <a:cs typeface="Arial"/>
-              </a:rPr>
-              <a:t> </a:t>
-            </a:r>
-            <a:r>
-              <a:rPr lang="en-US" altLang="ko-KR" sz="1600" dirty="0" err="1">
+              <a:rPr lang="en-US" altLang="ko-KR" sz="1600">
+                <a:latin typeface="Arial"/>
+                <a:cs typeface="Arial"/>
+              </a:rPr>
+              <a:t> </a:t>
+            </a:r>
+            <a:r>
+              <a:rPr lang="en-US" altLang="ko-KR" sz="1600" err="1">
                 <a:latin typeface="Arial"/>
                 <a:cs typeface="Arial"/>
               </a:rPr>
               <a:t>청크</a:t>
             </a:r>
             <a:r>
-              <a:rPr lang="en-US" altLang="ko-KR" sz="1600" dirty="0">
-                <a:latin typeface="Arial"/>
-                <a:cs typeface="Arial"/>
-              </a:rPr>
-              <a:t> </a:t>
-            </a:r>
-            <a:r>
-              <a:rPr lang="en-US" altLang="ko-KR" sz="1600" dirty="0" err="1">
+              <a:rPr lang="en-US" altLang="ko-KR" sz="1600">
+                <a:latin typeface="Arial"/>
+                <a:cs typeface="Arial"/>
+              </a:rPr>
+              <a:t> </a:t>
+            </a:r>
+            <a:r>
+              <a:rPr lang="en-US" altLang="ko-KR" sz="1600" err="1">
                 <a:latin typeface="Arial"/>
                 <a:cs typeface="Arial"/>
               </a:rPr>
               <a:t>방식이</a:t>
             </a:r>
             <a:r>
-              <a:rPr lang="en-US" altLang="ko-KR" sz="1600" dirty="0">
-                <a:latin typeface="Arial"/>
-                <a:cs typeface="Arial"/>
-              </a:rPr>
-              <a:t> </a:t>
-            </a:r>
-            <a:r>
-              <a:rPr lang="en-US" altLang="ko-KR" sz="1600" dirty="0" err="1">
+              <a:rPr lang="en-US" altLang="ko-KR" sz="1600">
+                <a:latin typeface="Arial"/>
+                <a:cs typeface="Arial"/>
+              </a:rPr>
+              <a:t> </a:t>
+            </a:r>
+            <a:r>
+              <a:rPr lang="en-US" altLang="ko-KR" sz="1600" err="1">
                 <a:latin typeface="Arial"/>
                 <a:cs typeface="Arial"/>
               </a:rPr>
               <a:t>사용될</a:t>
             </a:r>
             <a:r>
-              <a:rPr lang="en-US" altLang="ko-KR" sz="1600" dirty="0">
-                <a:latin typeface="Arial"/>
-                <a:cs typeface="Arial"/>
-              </a:rPr>
-              <a:t> </a:t>
-            </a:r>
-            <a:r>
-              <a:rPr lang="en-US" altLang="ko-KR" sz="1600" dirty="0" err="1">
+              <a:rPr lang="en-US" altLang="ko-KR" sz="1600">
+                <a:latin typeface="Arial"/>
+                <a:cs typeface="Arial"/>
+              </a:rPr>
+              <a:t> </a:t>
+            </a:r>
+            <a:r>
+              <a:rPr lang="en-US" altLang="ko-KR" sz="1600" err="1">
                 <a:latin typeface="Arial"/>
                 <a:cs typeface="Arial"/>
               </a:rPr>
               <a:t>이유가</a:t>
             </a:r>
             <a:r>
-              <a:rPr lang="en-US" altLang="ko-KR" sz="1600" dirty="0">
-                <a:latin typeface="Arial"/>
-                <a:cs typeface="Arial"/>
-              </a:rPr>
-              <a:t> </a:t>
-            </a:r>
-            <a:r>
-              <a:rPr lang="en-US" altLang="ko-KR" sz="1600" dirty="0" err="1">
+              <a:rPr lang="en-US" altLang="ko-KR" sz="1600">
+                <a:latin typeface="Arial"/>
+                <a:cs typeface="Arial"/>
+              </a:rPr>
+              <a:t> </a:t>
+            </a:r>
+            <a:r>
+              <a:rPr lang="en-US" altLang="ko-KR" sz="1600" err="1">
                 <a:latin typeface="Arial"/>
                 <a:cs typeface="Arial"/>
               </a:rPr>
               <a:t>없다</a:t>
             </a:r>
             <a:r>
-              <a:rPr lang="en-US" altLang="ko-KR" sz="1600" dirty="0">
+              <a:rPr lang="en-US" altLang="ko-KR" sz="1600">
                 <a:latin typeface="Arial"/>
                 <a:cs typeface="Arial"/>
               </a:rPr>
@@ -5309,7 +5235,7 @@
           <a:lstStyle/>
           <a:p>
             <a:r>
-              <a:rPr lang="ko-KR" altLang="en-US" sz="1600" dirty="0" err="1">
+              <a:rPr lang="ko-KR" altLang="en-US" sz="1600" err="1">
                 <a:solidFill>
                   <a:srgbClr val="0070C0"/>
                 </a:solidFill>
@@ -5317,7 +5243,7 @@
               <a:t>청크</a:t>
             </a:r>
             <a:r>
-              <a:rPr lang="ko-KR" altLang="en-US" sz="1600" dirty="0">
+              <a:rPr lang="ko-KR" altLang="en-US" sz="1600">
                 <a:solidFill>
                   <a:srgbClr val="0070C0"/>
                 </a:solidFill>
@@ -5325,7 +5251,7 @@
               <a:t> 업로드 방식을 통해서 파일을 일정 크기로 나눈 후(</a:t>
             </a:r>
             <a:r>
-              <a:rPr lang="ko-KR" altLang="en-US" sz="1600" dirty="0" err="1">
+              <a:rPr lang="ko-KR" altLang="en-US" sz="1600" err="1">
                 <a:solidFill>
                   <a:srgbClr val="0070C0"/>
                 </a:solidFill>
@@ -5333,7 +5259,7 @@
               <a:t>청크</a:t>
             </a:r>
             <a:r>
-              <a:rPr lang="ko-KR" altLang="en-US" sz="1600" dirty="0">
+              <a:rPr lang="ko-KR" altLang="en-US" sz="1600">
                 <a:solidFill>
                   <a:srgbClr val="0070C0"/>
                 </a:solidFill>
@@ -5341,7 +5267,7 @@
               <a:t>) 이를 서버로 전송하면서 </a:t>
             </a:r>
             <a:r>
-              <a:rPr lang="ko-KR" altLang="en-US" sz="1600" dirty="0" err="1">
+              <a:rPr lang="ko-KR" altLang="en-US" sz="1600" err="1">
                 <a:solidFill>
                   <a:srgbClr val="0070C0"/>
                 </a:solidFill>
@@ -5349,7 +5275,7 @@
               <a:t>청크</a:t>
             </a:r>
             <a:r>
-              <a:rPr lang="ko-KR" altLang="en-US" sz="1600" dirty="0">
+              <a:rPr lang="ko-KR" altLang="en-US" sz="1600">
                 <a:solidFill>
                   <a:srgbClr val="0070C0"/>
                 </a:solidFill>
@@ -5357,7 +5283,7 @@
               <a:t> 토큰 </a:t>
             </a:r>
             <a:r>
-              <a:rPr lang="ko-KR" altLang="en-US" sz="1600" dirty="0" err="1">
+              <a:rPr lang="ko-KR" altLang="en-US" sz="1600" err="1">
                 <a:solidFill>
                   <a:srgbClr val="0070C0"/>
                 </a:solidFill>
@@ -5365,7 +5291,7 @@
               <a:t>or</a:t>
             </a:r>
             <a:r>
-              <a:rPr lang="ko-KR" altLang="en-US" sz="1600" dirty="0">
+              <a:rPr lang="ko-KR" altLang="en-US" sz="1600">
                 <a:solidFill>
                   <a:srgbClr val="0070C0"/>
                 </a:solidFill>
@@ -5373,7 +5299,7 @@
               <a:t> </a:t>
             </a:r>
             <a:r>
-              <a:rPr lang="ko-KR" altLang="en-US" sz="1600" dirty="0" err="1">
+              <a:rPr lang="ko-KR" altLang="en-US" sz="1600" err="1">
                 <a:solidFill>
                   <a:srgbClr val="0070C0"/>
                 </a:solidFill>
@@ -5381,7 +5307,7 @@
               <a:t>청크</a:t>
             </a:r>
             <a:r>
-              <a:rPr lang="ko-KR" altLang="en-US" sz="1600" dirty="0">
+              <a:rPr lang="ko-KR" altLang="en-US" sz="1600">
                 <a:solidFill>
                   <a:srgbClr val="0070C0"/>
                 </a:solidFill>
@@ -5390,7 +5316,7 @@
             </a:r>
           </a:p>
           <a:p>
-            <a:endParaRPr lang="ko-KR" altLang="en-US" sz="1600" dirty="0">
+            <a:endParaRPr lang="ko-KR" altLang="en-US" sz="1600">
               <a:solidFill>
                 <a:srgbClr val="0070C0"/>
               </a:solidFill>
@@ -5398,7 +5324,7 @@
           </a:p>
           <a:p>
             <a:r>
-              <a:rPr lang="ko-KR" altLang="en-US" sz="1600" dirty="0" err="1">
+              <a:rPr lang="ko-KR" altLang="en-US" sz="1600" err="1">
                 <a:solidFill>
                   <a:srgbClr val="0070C0"/>
                 </a:solidFill>
@@ -5406,7 +5332,7 @@
               <a:t>청크</a:t>
             </a:r>
             <a:r>
-              <a:rPr lang="ko-KR" altLang="en-US" sz="1600" dirty="0">
+              <a:rPr lang="ko-KR" altLang="en-US" sz="1600">
                 <a:solidFill>
                   <a:srgbClr val="0070C0"/>
                 </a:solidFill>
@@ -5414,7 +5340,7 @@
               <a:t> 내부에서 전송이 중지되는 경우 </a:t>
             </a:r>
             <a:r>
-              <a:rPr lang="ko-KR" altLang="en-US" sz="1600" dirty="0" err="1">
+              <a:rPr lang="ko-KR" altLang="en-US" sz="1600" err="1">
                 <a:solidFill>
                   <a:srgbClr val="0070C0"/>
                 </a:solidFill>
@@ -5422,7 +5348,7 @@
               <a:t>청크를</a:t>
             </a:r>
             <a:r>
-              <a:rPr lang="ko-KR" altLang="en-US" sz="1600" dirty="0">
+              <a:rPr lang="ko-KR" altLang="en-US" sz="1600">
                 <a:solidFill>
                   <a:srgbClr val="0070C0"/>
                 </a:solidFill>
@@ -5430,7 +5356,7 @@
               <a:t> 다시 재전송 </a:t>
             </a:r>
             <a:r>
-              <a:rPr lang="ko-KR" altLang="en-US" sz="1600" dirty="0" err="1">
+              <a:rPr lang="ko-KR" altLang="en-US" sz="1600" err="1">
                 <a:solidFill>
                   <a:srgbClr val="0070C0"/>
                 </a:solidFill>
@@ -5438,7 +5364,7 @@
               <a:t>해야한다</a:t>
             </a:r>
             <a:r>
-              <a:rPr lang="ko-KR" altLang="en-US" sz="1600" dirty="0">
+              <a:rPr lang="ko-KR" altLang="en-US" sz="1600">
                 <a:solidFill>
                   <a:srgbClr val="0070C0"/>
                 </a:solidFill>
@@ -5446,7 +5372,7 @@
               <a:t> =&gt; </a:t>
             </a:r>
             <a:r>
-              <a:rPr lang="ko-KR" altLang="en-US" sz="1600" dirty="0" err="1">
+              <a:rPr lang="ko-KR" altLang="en-US" sz="1600" err="1">
                 <a:solidFill>
                   <a:srgbClr val="0070C0"/>
                 </a:solidFill>
@@ -5454,7 +5380,7 @@
               <a:t>청크의</a:t>
             </a:r>
             <a:r>
-              <a:rPr lang="ko-KR" altLang="en-US" sz="1600" dirty="0">
+              <a:rPr lang="ko-KR" altLang="en-US" sz="1600">
                 <a:solidFill>
                   <a:srgbClr val="0070C0"/>
                 </a:solidFill>
@@ -5462,7 +5388,7 @@
               <a:t> 크기가 크다면 충분히 부담될 수 있다. (바이트 단위로 </a:t>
             </a:r>
             <a:r>
-              <a:rPr lang="ko-KR" altLang="en-US" sz="1600" dirty="0" err="1">
+              <a:rPr lang="ko-KR" altLang="en-US" sz="1600" err="1">
                 <a:solidFill>
                   <a:srgbClr val="0070C0"/>
                 </a:solidFill>
@@ -5470,7 +5396,7 @@
               <a:t>전송하는게</a:t>
             </a:r>
             <a:r>
-              <a:rPr lang="ko-KR" altLang="en-US" sz="1600" dirty="0">
+              <a:rPr lang="ko-KR" altLang="en-US" sz="1600">
                 <a:solidFill>
                   <a:srgbClr val="0070C0"/>
                 </a:solidFill>
@@ -5479,7 +5405,7 @@
             </a:r>
           </a:p>
           <a:p>
-            <a:endParaRPr lang="ko-KR" altLang="en-US" sz="1600" dirty="0">
+            <a:endParaRPr lang="ko-KR" altLang="en-US" sz="1600">
               <a:solidFill>
                 <a:srgbClr val="0070C0"/>
               </a:solidFill>
@@ -5487,7 +5413,7 @@
           </a:p>
           <a:p>
             <a:r>
-              <a:rPr lang="ko-KR" altLang="en-US" sz="1600" dirty="0">
+              <a:rPr lang="ko-KR" altLang="en-US" sz="1600">
                 <a:solidFill>
                   <a:srgbClr val="0070C0"/>
                 </a:solidFill>
@@ -5496,7 +5422,7 @@
             </a:r>
           </a:p>
           <a:p>
-            <a:endParaRPr lang="ko-KR" altLang="en-US" sz="1600" dirty="0">
+            <a:endParaRPr lang="ko-KR" altLang="en-US" sz="1600">
               <a:solidFill>
                 <a:srgbClr val="0070C0"/>
               </a:solidFill>
@@ -5504,7 +5430,7 @@
           </a:p>
           <a:p>
             <a:r>
-              <a:rPr lang="ko-KR" altLang="en-US" sz="1600" dirty="0">
+              <a:rPr lang="ko-KR" altLang="en-US" sz="1600">
                 <a:solidFill>
                   <a:srgbClr val="0070C0"/>
                 </a:solidFill>
@@ -5512,7 +5438,7 @@
               <a:t>만약 파일 전송 중 클라이언트의 연결이 끊어진다면(종료, 인터넷 불안정) </a:t>
             </a:r>
             <a:r>
-              <a:rPr lang="ko-KR" altLang="en-US" sz="1600" dirty="0" err="1">
+              <a:rPr lang="ko-KR" altLang="en-US" sz="1600" err="1">
                 <a:solidFill>
                   <a:srgbClr val="0070C0"/>
                 </a:solidFill>
@@ -5520,7 +5446,7 @@
               <a:t>read</a:t>
             </a:r>
             <a:r>
-              <a:rPr lang="ko-KR" altLang="en-US" sz="1600" dirty="0">
+              <a:rPr lang="ko-KR" altLang="en-US" sz="1600">
                 <a:solidFill>
                   <a:srgbClr val="0070C0"/>
                 </a:solidFill>
@@ -5528,7 +5454,7 @@
               <a:t>()</a:t>
             </a:r>
             <a:r>
-              <a:rPr lang="ko-KR" altLang="en-US" sz="1600" dirty="0" err="1">
+              <a:rPr lang="ko-KR" altLang="en-US" sz="1600" err="1">
                 <a:solidFill>
                   <a:srgbClr val="0070C0"/>
                 </a:solidFill>
@@ -5536,7 +5462,7 @@
               <a:t>를</a:t>
             </a:r>
             <a:r>
-              <a:rPr lang="ko-KR" altLang="en-US" sz="1600" dirty="0">
+              <a:rPr lang="ko-KR" altLang="en-US" sz="1600">
                 <a:solidFill>
                   <a:srgbClr val="0070C0"/>
                 </a:solidFill>
@@ -5544,7 +5470,7 @@
               <a:t> 통해 </a:t>
             </a:r>
             <a:r>
-              <a:rPr lang="ko-KR" altLang="en-US" sz="1600" dirty="0" err="1">
+              <a:rPr lang="ko-KR" altLang="en-US" sz="1600" err="1">
                 <a:solidFill>
                   <a:srgbClr val="0070C0"/>
                 </a:solidFill>
@@ -5552,7 +5478,7 @@
               <a:t>청크파일을</a:t>
             </a:r>
             <a:r>
-              <a:rPr lang="ko-KR" altLang="en-US" sz="1600" dirty="0">
+              <a:rPr lang="ko-KR" altLang="en-US" sz="1600">
                 <a:solidFill>
                   <a:srgbClr val="0070C0"/>
                 </a:solidFill>
@@ -5560,7 +5486,7 @@
               <a:t> 가져올 때 </a:t>
             </a:r>
             <a:r>
-              <a:rPr lang="ko-KR" altLang="en-US" sz="1600" dirty="0" err="1">
+              <a:rPr lang="ko-KR" altLang="en-US" sz="1600" err="1">
                 <a:solidFill>
                   <a:srgbClr val="0070C0"/>
                 </a:solidFill>
@@ -5568,7 +5494,7 @@
               <a:t>EOF나</a:t>
             </a:r>
             <a:r>
-              <a:rPr lang="ko-KR" altLang="en-US" sz="1600" dirty="0">
+              <a:rPr lang="ko-KR" altLang="en-US" sz="1600">
                 <a:solidFill>
                   <a:srgbClr val="0070C0"/>
                 </a:solidFill>
@@ -5576,7 +5502,7 @@
               <a:t> </a:t>
             </a:r>
             <a:r>
-              <a:rPr lang="ko-KR" altLang="en-US" sz="1600" dirty="0" err="1">
+              <a:rPr lang="ko-KR" altLang="en-US" sz="1600" err="1">
                 <a:solidFill>
                   <a:srgbClr val="0070C0"/>
                 </a:solidFill>
@@ -5584,13 +5510,63 @@
               <a:t>Exception이</a:t>
             </a:r>
             <a:r>
-              <a:rPr lang="ko-KR" altLang="en-US" sz="1600" dirty="0">
+              <a:rPr lang="ko-KR" altLang="en-US" sz="1600">
                 <a:solidFill>
                   <a:srgbClr val="0070C0"/>
                 </a:solidFill>
               </a:rPr>
               <a:t> 발생하여 감지가 가능하다.</a:t>
             </a:r>
+          </a:p>
+        </p:txBody>
+      </p:sp>
+      <p:sp>
+        <p:nvSpPr>
+          <p:cNvPr id="6" name="텍스트 개체 틀 3">
+            <a:extLst>
+              <a:ext uri="{FF2B5EF4-FFF2-40B4-BE49-F238E27FC236}">
+                <a16:creationId xmlns:a16="http://schemas.microsoft.com/office/drawing/2014/main" id="{1866AE23-C9BE-547A-4738-D41B12206294}"/>
+              </a:ext>
+            </a:extLst>
+          </p:cNvPr>
+          <p:cNvSpPr>
+            <a:spLocks noGrp="1"/>
+          </p:cNvSpPr>
+          <p:nvPr>
+            <p:ph type="body" sz="quarter" idx="14"/>
+          </p:nvPr>
+        </p:nvSpPr>
+        <p:spPr>
+          <a:xfrm>
+            <a:off x="10646933" y="333930"/>
+            <a:ext cx="1173591" cy="272382"/>
+          </a:xfrm>
+        </p:spPr>
+        <p:txBody>
+          <a:bodyPr wrap="none" lIns="91440" tIns="45720" rIns="0" bIns="45720" rtlCol="0" anchor="t">
+            <a:spAutoFit/>
+          </a:bodyPr>
+          <a:lstStyle/>
+          <a:p>
+            <a:r>
+              <a:rPr lang="ko-KR" altLang="en-US" err="1">
+                <a:ea typeface="Pretendard Medium"/>
+              </a:rPr>
+              <a:t>Chunk</a:t>
+            </a:r>
+            <a:r>
+              <a:rPr lang="ko-KR" altLang="en-US">
+                <a:ea typeface="Pretendard Medium"/>
+              </a:rPr>
+              <a:t> </a:t>
+            </a:r>
+            <a:r>
+              <a:rPr lang="ko-KR" altLang="en-US" err="1">
+                <a:ea typeface="Pretendard Medium"/>
+              </a:rPr>
+              <a:t>Upload</a:t>
+            </a:r>
+            <a:endParaRPr lang="ko-KR" altLang="en-US" err="1"/>
           </a:p>
         </p:txBody>
       </p:sp>
@@ -5657,38 +5633,6 @@
       </p:sp>
       <p:sp>
         <p:nvSpPr>
-          <p:cNvPr id="4" name="텍스트 개체 틀 3">
-            <a:extLst>
-              <a:ext uri="{FF2B5EF4-FFF2-40B4-BE49-F238E27FC236}">
-                <a16:creationId xmlns:a16="http://schemas.microsoft.com/office/drawing/2014/main" id="{29BB1114-89DB-4AAC-6DF1-FB67488D799E}"/>
-              </a:ext>
-            </a:extLst>
-          </p:cNvPr>
-          <p:cNvSpPr>
-            <a:spLocks noGrp="1"/>
-          </p:cNvSpPr>
-          <p:nvPr>
-            <p:ph type="body" sz="quarter" idx="14"/>
-          </p:nvPr>
-        </p:nvSpPr>
-        <p:spPr>
-          <a:xfrm>
-            <a:off x="11728127" y="333930"/>
-            <a:ext cx="92397" cy="272382"/>
-          </a:xfrm>
-        </p:spPr>
-        <p:txBody>
-          <a:bodyPr wrap="none" lIns="91440" tIns="45720" rIns="0" bIns="45720" rtlCol="0" anchor="t">
-            <a:spAutoFit/>
-          </a:bodyPr>
-          <a:lstStyle/>
-          <a:p>
-            <a:endParaRPr lang="ko-KR" altLang="en-US"/>
-          </a:p>
-        </p:txBody>
-      </p:sp>
-      <p:sp>
-        <p:nvSpPr>
           <p:cNvPr id="38" name="TextBox 37">
             <a:extLst>
               <a:ext uri="{FF2B5EF4-FFF2-40B4-BE49-F238E27FC236}">
@@ -6013,117 +5957,6 @@
               <a:latin typeface="Arial"/>
               <a:cs typeface="Arial"/>
             </a:endParaRPr>
-          </a:p>
-        </p:txBody>
-      </p:sp>
-      <p:sp>
-        <p:nvSpPr>
-          <p:cNvPr id="11" name="TextBox 10">
-            <a:extLst>
-              <a:ext uri="{FF2B5EF4-FFF2-40B4-BE49-F238E27FC236}">
-                <a16:creationId xmlns:a16="http://schemas.microsoft.com/office/drawing/2014/main" id="{2B0F8BD6-9795-42C0-95FF-9771104AF252}"/>
-              </a:ext>
-            </a:extLst>
-          </p:cNvPr>
-          <p:cNvSpPr txBox="1"/>
-          <p:nvPr/>
-        </p:nvSpPr>
-        <p:spPr>
-          <a:xfrm>
-            <a:off x="332919" y="7110282"/>
-            <a:ext cx="11237173" cy="584775"/>
-          </a:xfrm>
-          <a:prstGeom prst="rect">
-            <a:avLst/>
-          </a:prstGeom>
-          <a:noFill/>
-        </p:spPr>
-        <p:txBody>
-          <a:bodyPr wrap="square" lIns="91440" tIns="45720" rIns="91440" bIns="45720" rtlCol="0" anchor="t">
-            <a:spAutoFit/>
-          </a:bodyPr>
-          <a:lstStyle/>
-          <a:p>
-            <a:r>
-              <a:rPr lang="ko-KR" altLang="en-US" sz="1600" err="1">
-                <a:solidFill>
-                  <a:srgbClr val="0070C0"/>
-                </a:solidFill>
-              </a:rPr>
-              <a:t>청크</a:t>
-            </a:r>
-            <a:r>
-              <a:rPr lang="ko-KR" altLang="en-US" sz="1600">
-                <a:solidFill>
-                  <a:srgbClr val="0070C0"/>
-                </a:solidFill>
-              </a:rPr>
-              <a:t> 업로드 방식을 통해서 파일을 일정 크기로 나눈 후(</a:t>
-            </a:r>
-            <a:r>
-              <a:rPr lang="ko-KR" altLang="en-US" sz="1600" err="1">
-                <a:solidFill>
-                  <a:srgbClr val="0070C0"/>
-                </a:solidFill>
-              </a:rPr>
-              <a:t>청크</a:t>
-            </a:r>
-            <a:r>
-              <a:rPr lang="ko-KR" altLang="en-US" sz="1600">
-                <a:solidFill>
-                  <a:srgbClr val="0070C0"/>
-                </a:solidFill>
-              </a:rPr>
-              <a:t>) 이를 서버로 전송하면서 </a:t>
-            </a:r>
-            <a:r>
-              <a:rPr lang="ko-KR" altLang="en-US" sz="1600" err="1">
-                <a:solidFill>
-                  <a:srgbClr val="0070C0"/>
-                </a:solidFill>
-              </a:rPr>
-              <a:t>청크</a:t>
-            </a:r>
-            <a:r>
-              <a:rPr lang="ko-KR" altLang="en-US" sz="1600">
-                <a:solidFill>
-                  <a:srgbClr val="0070C0"/>
-                </a:solidFill>
-              </a:rPr>
-              <a:t> 토큰 </a:t>
-            </a:r>
-            <a:r>
-              <a:rPr lang="ko-KR" altLang="en-US" sz="1600" err="1">
-                <a:solidFill>
-                  <a:srgbClr val="0070C0"/>
-                </a:solidFill>
-              </a:rPr>
-              <a:t>or</a:t>
-            </a:r>
-            <a:r>
-              <a:rPr lang="ko-KR" altLang="en-US" sz="1600">
-                <a:solidFill>
-                  <a:srgbClr val="0070C0"/>
-                </a:solidFill>
-              </a:rPr>
-              <a:t> </a:t>
-            </a:r>
-            <a:r>
-              <a:rPr lang="ko-KR" altLang="en-US" sz="1600" err="1">
-                <a:solidFill>
-                  <a:srgbClr val="0070C0"/>
-                </a:solidFill>
-              </a:rPr>
-              <a:t>청크</a:t>
-            </a:r>
-            <a:r>
-              <a:rPr lang="ko-KR" altLang="en-US" sz="1600">
-                <a:solidFill>
-                  <a:srgbClr val="0070C0"/>
-                </a:solidFill>
-              </a:rPr>
-              <a:t> 인덱스를 통해서 전송 상황을 확인하며 중간에 끊긴 경우도 중간부터 다시 전송이 가능하다.</a:t>
-            </a:r>
           </a:p>
         </p:txBody>
       </p:sp>
@@ -6156,6 +5989,94 @@
           </a:prstGeom>
         </p:spPr>
       </p:pic>
+      <p:sp>
+        <p:nvSpPr>
+          <p:cNvPr id="6" name="텍스트 개체 틀 3">
+            <a:extLst>
+              <a:ext uri="{FF2B5EF4-FFF2-40B4-BE49-F238E27FC236}">
+                <a16:creationId xmlns:a16="http://schemas.microsoft.com/office/drawing/2014/main" id="{F432047E-F64D-826C-8BDA-14870387A14E}"/>
+              </a:ext>
+            </a:extLst>
+          </p:cNvPr>
+          <p:cNvSpPr>
+            <a:spLocks noGrp="1"/>
+          </p:cNvSpPr>
+          <p:nvPr>
+            <p:ph type="body" sz="quarter" idx="14"/>
+          </p:nvPr>
+        </p:nvSpPr>
+        <p:spPr>
+          <a:xfrm>
+            <a:off x="10134870" y="333930"/>
+            <a:ext cx="1685654" cy="272382"/>
+          </a:xfrm>
+        </p:spPr>
+        <p:txBody>
+          <a:bodyPr wrap="none" lIns="91440" tIns="45720" rIns="0" bIns="45720" rtlCol="0" anchor="t">
+            <a:spAutoFit/>
+          </a:bodyPr>
+          <a:lstStyle/>
+          <a:p>
+            <a:r>
+              <a:rPr lang="en-US" altLang="en-US">
+                <a:solidFill>
+                  <a:srgbClr val="FFFFFF"/>
+                </a:solidFill>
+                <a:ea typeface="Pretendard Medium"/>
+              </a:rPr>
+              <a:t>HTTP Range Request</a:t>
+            </a:r>
+            <a:endParaRPr lang="en-US" altLang="en-US"/>
+          </a:p>
+        </p:txBody>
+      </p:sp>
+      <p:sp>
+        <p:nvSpPr>
+          <p:cNvPr id="8" name="TextBox 7">
+            <a:extLst>
+              <a:ext uri="{FF2B5EF4-FFF2-40B4-BE49-F238E27FC236}">
+                <a16:creationId xmlns:a16="http://schemas.microsoft.com/office/drawing/2014/main" id="{59284157-1A30-E10C-544B-760E41293BF4}"/>
+              </a:ext>
+            </a:extLst>
+          </p:cNvPr>
+          <p:cNvSpPr txBox="1"/>
+          <p:nvPr/>
+        </p:nvSpPr>
+        <p:spPr>
+          <a:xfrm>
+            <a:off x="332919" y="7110282"/>
+            <a:ext cx="11237173" cy="338554"/>
+          </a:xfrm>
+          <a:prstGeom prst="rect">
+            <a:avLst/>
+          </a:prstGeom>
+          <a:noFill/>
+        </p:spPr>
+        <p:txBody>
+          <a:bodyPr wrap="square" lIns="91440" tIns="45720" rIns="91440" bIns="45720" rtlCol="0" anchor="t">
+            <a:spAutoFit/>
+          </a:bodyPr>
+          <a:lstStyle/>
+          <a:p>
+            <a:r>
+              <a:rPr lang="ko-KR" altLang="en-US" sz="1600" err="1">
+                <a:solidFill>
+                  <a:srgbClr val="0070C0"/>
+                </a:solidFill>
+              </a:rPr>
+              <a:t>Range</a:t>
+            </a:r>
+            <a:r>
+              <a:rPr lang="ko-KR" altLang="en-US" sz="1600">
+                <a:solidFill>
+                  <a:srgbClr val="0070C0"/>
+                </a:solidFill>
+              </a:rPr>
+              <a:t> 헤더를 통해 바이트 필요한 데이터를 바이트 범위로 요청하여 관리가 가능하다.</a:t>
+            </a:r>
+          </a:p>
+        </p:txBody>
+      </p:sp>
     </p:spTree>
     <p:extLst>
       <p:ext uri="{BB962C8B-B14F-4D97-AF65-F5344CB8AC3E}">
@@ -6219,38 +6140,6 @@
       </p:sp>
       <p:sp>
         <p:nvSpPr>
-          <p:cNvPr id="4" name="텍스트 개체 틀 3">
-            <a:extLst>
-              <a:ext uri="{FF2B5EF4-FFF2-40B4-BE49-F238E27FC236}">
-                <a16:creationId xmlns:a16="http://schemas.microsoft.com/office/drawing/2014/main" id="{29BB1114-89DB-4AAC-6DF1-FB67488D799E}"/>
-              </a:ext>
-            </a:extLst>
-          </p:cNvPr>
-          <p:cNvSpPr>
-            <a:spLocks noGrp="1"/>
-          </p:cNvSpPr>
-          <p:nvPr>
-            <p:ph type="body" sz="quarter" idx="14"/>
-          </p:nvPr>
-        </p:nvSpPr>
-        <p:spPr>
-          <a:xfrm>
-            <a:off x="11728127" y="333930"/>
-            <a:ext cx="92397" cy="272382"/>
-          </a:xfrm>
-        </p:spPr>
-        <p:txBody>
-          <a:bodyPr wrap="none" lIns="91440" tIns="45720" rIns="0" bIns="45720" rtlCol="0" anchor="t">
-            <a:spAutoFit/>
-          </a:bodyPr>
-          <a:lstStyle/>
-          <a:p>
-            <a:endParaRPr lang="ko-KR" altLang="en-US"/>
-          </a:p>
-        </p:txBody>
-      </p:sp>
-      <p:sp>
-        <p:nvSpPr>
           <p:cNvPr id="38" name="TextBox 37">
             <a:extLst>
               <a:ext uri="{FF2B5EF4-FFF2-40B4-BE49-F238E27FC236}">
@@ -6278,42 +6167,42 @@
           <a:lstStyle/>
           <a:p>
             <a:r>
-              <a:rPr lang="ko-KR" altLang="en-US" sz="1600" b="1" dirty="0"/>
+              <a:rPr lang="ko-KR" altLang="en-US" sz="1600" b="1"/>
               <a:t>1. SFTP(</a:t>
             </a:r>
             <a:r>
-              <a:rPr lang="ko-KR" altLang="en-US" sz="1600" b="1" dirty="0" err="1"/>
+              <a:rPr lang="ko-KR" altLang="en-US" sz="1600" b="1" err="1"/>
               <a:t>Secure</a:t>
             </a:r>
             <a:r>
-              <a:rPr lang="ko-KR" altLang="en-US" sz="1600" b="1" dirty="0"/>
-              <a:t> </a:t>
-            </a:r>
-            <a:r>
-              <a:rPr lang="ko-KR" altLang="en-US" sz="1600" b="1" dirty="0" err="1"/>
+              <a:rPr lang="ko-KR" altLang="en-US" sz="1600" b="1"/>
+              <a:t> </a:t>
+            </a:r>
+            <a:r>
+              <a:rPr lang="ko-KR" altLang="en-US" sz="1600" b="1" err="1"/>
               <a:t>Shell</a:t>
             </a:r>
             <a:r>
-              <a:rPr lang="ko-KR" altLang="en-US" sz="1600" b="1" dirty="0"/>
-              <a:t> </a:t>
-            </a:r>
-            <a:r>
-              <a:rPr lang="ko-KR" altLang="en-US" sz="1600" b="1" dirty="0" err="1"/>
+              <a:rPr lang="ko-KR" altLang="en-US" sz="1600" b="1"/>
+              <a:t> </a:t>
+            </a:r>
+            <a:r>
+              <a:rPr lang="ko-KR" altLang="en-US" sz="1600" b="1" err="1"/>
               <a:t>File</a:t>
             </a:r>
             <a:r>
-              <a:rPr lang="ko-KR" altLang="en-US" sz="1600" b="1" dirty="0"/>
+              <a:rPr lang="ko-KR" altLang="en-US" sz="1600" b="1"/>
               <a:t> Transfer </a:t>
             </a:r>
             <a:r>
-              <a:rPr lang="ko-KR" altLang="en-US" sz="1600" b="1" dirty="0" err="1"/>
+              <a:rPr lang="ko-KR" altLang="en-US" sz="1600" b="1" err="1"/>
               <a:t>Protocol</a:t>
             </a:r>
             <a:r>
-              <a:rPr lang="ko-KR" altLang="en-US" sz="1600" b="1" dirty="0"/>
+              <a:rPr lang="ko-KR" altLang="en-US" sz="1600" b="1"/>
               <a:t>)</a:t>
             </a:r>
-            <a:endParaRPr lang="ko-KR" b="1" dirty="0"/>
+            <a:endParaRPr lang="ko-KR" b="1"/>
           </a:p>
           <a:p>
             <a:pPr marL="285750" indent="-285750">
@@ -6321,23 +6210,23 @@
               <a:buChar char="-"/>
             </a:pPr>
             <a:r>
-              <a:rPr lang="ko-KR" altLang="en-US" sz="1600" dirty="0"/>
+              <a:rPr lang="ko-KR" altLang="en-US" sz="1600"/>
               <a:t>SSH(</a:t>
             </a:r>
             <a:r>
-              <a:rPr lang="ko-KR" altLang="en-US" sz="1600" dirty="0" err="1"/>
+              <a:rPr lang="ko-KR" altLang="en-US" sz="1600" err="1"/>
               <a:t>Port</a:t>
             </a:r>
             <a:r>
-              <a:rPr lang="ko-KR" altLang="en-US" sz="1600" dirty="0"/>
+              <a:rPr lang="ko-KR" altLang="en-US" sz="1600"/>
               <a:t> 22)</a:t>
             </a:r>
             <a:r>
-              <a:rPr lang="ko-KR" altLang="en-US" sz="1600" dirty="0" err="1"/>
+              <a:rPr lang="ko-KR" altLang="en-US" sz="1600" err="1"/>
               <a:t>를</a:t>
             </a:r>
             <a:r>
-              <a:rPr lang="ko-KR" altLang="en-US" sz="1600" dirty="0"/>
+              <a:rPr lang="ko-KR" altLang="en-US" sz="1600"/>
               <a:t> 통해 파일을 업로드/다운로드 하는 전통적 방식</a:t>
             </a:r>
           </a:p>
@@ -6359,7 +6248,7 @@
           </a:p>
           <a:p>
             <a:r>
-              <a:rPr lang="ko-KR" altLang="en-US" sz="1600" b="1" dirty="0">
+              <a:rPr lang="ko-KR" altLang="en-US" sz="1600" b="1">
                 <a:latin typeface="Arial"/>
                 <a:cs typeface="Arial"/>
               </a:rPr>
@@ -6372,21 +6261,21 @@
               <a:buChar char="-"/>
             </a:pPr>
             <a:r>
-              <a:rPr lang="ko-KR" altLang="en-US" sz="1600" dirty="0">
+              <a:rPr lang="ko-KR" altLang="en-US" sz="1600">
                 <a:latin typeface="Arial"/>
                 <a:cs typeface="Arial"/>
               </a:rPr>
               <a:t>안정적인 전송 및 자동 </a:t>
             </a:r>
             <a:r>
-              <a:rPr lang="ko-KR" altLang="en-US" sz="1600" dirty="0" err="1">
+              <a:rPr lang="ko-KR" altLang="en-US" sz="1600" err="1">
                 <a:latin typeface="Arial"/>
                 <a:cs typeface="Arial"/>
               </a:rPr>
               <a:t>Resume</a:t>
             </a:r>
             <a:r>
-              <a:rPr lang="ko-KR" altLang="en-US" sz="1600" dirty="0">
+              <a:rPr lang="ko-KR" altLang="en-US" sz="1600">
                 <a:latin typeface="Arial"/>
                 <a:cs typeface="Arial"/>
               </a:rPr>
@@ -6399,14 +6288,14 @@
               <a:buChar char="-"/>
             </a:pPr>
             <a:r>
-              <a:rPr lang="ko-KR" altLang="en-US" sz="1600" dirty="0" err="1">
+              <a:rPr lang="ko-KR" altLang="en-US" sz="1600" err="1">
                 <a:latin typeface="Arial"/>
                 <a:cs typeface="Arial"/>
               </a:rPr>
               <a:t>SSH를</a:t>
             </a:r>
             <a:r>
-              <a:rPr lang="ko-KR" altLang="en-US" sz="1600" dirty="0">
+              <a:rPr lang="ko-KR" altLang="en-US" sz="1600">
                 <a:latin typeface="Arial"/>
                 <a:cs typeface="Arial"/>
               </a:rPr>
@@ -6425,20 +6314,20 @@
           </a:p>
           <a:p>
             <a:r>
-              <a:rPr lang="en-US" altLang="ko-KR" sz="1600" b="1" dirty="0">
+              <a:rPr lang="en-US" altLang="ko-KR" sz="1600" b="1">
                 <a:latin typeface="Arial"/>
                 <a:cs typeface="Arial"/>
               </a:rPr>
               <a:t>3. </a:t>
             </a:r>
             <a:r>
-              <a:rPr lang="en-US" altLang="ko-KR" sz="1600" b="1" dirty="0" err="1">
+              <a:rPr lang="en-US" altLang="ko-KR" sz="1600" b="1" err="1">
                 <a:latin typeface="Arial"/>
                 <a:cs typeface="Arial"/>
               </a:rPr>
               <a:t>단점</a:t>
             </a:r>
-            <a:endParaRPr lang="en-US" altLang="ko-KR" sz="1600" b="1" dirty="0">
+            <a:endParaRPr lang="en-US" altLang="ko-KR" sz="1600" b="1">
               <a:latin typeface="Arial"/>
               <a:cs typeface="Arial"/>
             </a:endParaRPr>
@@ -6449,49 +6338,49 @@
               <a:buChar char="-"/>
             </a:pPr>
             <a:r>
-              <a:rPr lang="en-US" altLang="ko-KR" sz="1600" dirty="0">
+              <a:rPr lang="en-US" altLang="ko-KR" sz="1600">
                 <a:latin typeface="Arial"/>
                 <a:cs typeface="Arial"/>
               </a:rPr>
               <a:t>SSH </a:t>
             </a:r>
             <a:r>
-              <a:rPr lang="en-US" altLang="ko-KR" sz="1600" dirty="0" err="1">
+              <a:rPr lang="en-US" altLang="ko-KR" sz="1600" err="1">
                 <a:latin typeface="Arial"/>
                 <a:cs typeface="Arial"/>
               </a:rPr>
               <a:t>계정</a:t>
             </a:r>
             <a:r>
-              <a:rPr lang="en-US" altLang="ko-KR" sz="1600" dirty="0">
-                <a:latin typeface="Arial"/>
-                <a:cs typeface="Arial"/>
-              </a:rPr>
-              <a:t> </a:t>
-            </a:r>
-            <a:r>
-              <a:rPr lang="en-US" altLang="ko-KR" sz="1600" dirty="0" err="1">
+              <a:rPr lang="en-US" altLang="ko-KR" sz="1600">
+                <a:latin typeface="Arial"/>
+                <a:cs typeface="Arial"/>
+              </a:rPr>
+              <a:t> </a:t>
+            </a:r>
+            <a:r>
+              <a:rPr lang="en-US" altLang="ko-KR" sz="1600" err="1">
                 <a:latin typeface="Arial"/>
                 <a:cs typeface="Arial"/>
               </a:rPr>
               <a:t>관리가</a:t>
             </a:r>
             <a:r>
-              <a:rPr lang="en-US" altLang="ko-KR" sz="1600" dirty="0">
-                <a:latin typeface="Arial"/>
-                <a:cs typeface="Arial"/>
-              </a:rPr>
-              <a:t> </a:t>
-            </a:r>
-            <a:r>
-              <a:rPr lang="en-US" altLang="ko-KR" sz="1600" dirty="0" err="1">
+              <a:rPr lang="en-US" altLang="ko-KR" sz="1600">
+                <a:latin typeface="Arial"/>
+                <a:cs typeface="Arial"/>
+              </a:rPr>
+              <a:t> </a:t>
+            </a:r>
+            <a:r>
+              <a:rPr lang="en-US" altLang="ko-KR" sz="1600" err="1">
                 <a:latin typeface="Arial"/>
                 <a:cs typeface="Arial"/>
               </a:rPr>
               <a:t>필요하다</a:t>
             </a:r>
             <a:r>
-              <a:rPr lang="en-US" altLang="ko-KR" sz="1600" dirty="0">
+              <a:rPr lang="en-US" altLang="ko-KR" sz="1600">
                 <a:latin typeface="Arial"/>
                 <a:cs typeface="Arial"/>
               </a:rPr>
@@ -6504,98 +6393,98 @@
               <a:buChar char="-"/>
             </a:pPr>
             <a:r>
-              <a:rPr lang="en-US" altLang="ko-KR" sz="1600" dirty="0" err="1">
+              <a:rPr lang="en-US" altLang="ko-KR" sz="1600" err="1">
                 <a:latin typeface="Arial"/>
                 <a:cs typeface="Arial"/>
               </a:rPr>
               <a:t>별도의</a:t>
             </a:r>
             <a:r>
-              <a:rPr lang="en-US" altLang="ko-KR" sz="1600" dirty="0">
+              <a:rPr lang="en-US" altLang="ko-KR" sz="1600">
                 <a:latin typeface="Arial"/>
                 <a:cs typeface="Arial"/>
               </a:rPr>
               <a:t> SFTP </a:t>
             </a:r>
             <a:r>
-              <a:rPr lang="en-US" altLang="ko-KR" sz="1600" dirty="0" err="1">
+              <a:rPr lang="en-US" altLang="ko-KR" sz="1600" err="1">
                 <a:latin typeface="Arial"/>
                 <a:cs typeface="Arial"/>
               </a:rPr>
               <a:t>서버가</a:t>
             </a:r>
             <a:r>
-              <a:rPr lang="en-US" altLang="ko-KR" sz="1600" dirty="0">
-                <a:latin typeface="Arial"/>
-                <a:cs typeface="Arial"/>
-              </a:rPr>
-              <a:t> </a:t>
-            </a:r>
-            <a:r>
-              <a:rPr lang="en-US" altLang="ko-KR" sz="1600" dirty="0" err="1">
+              <a:rPr lang="en-US" altLang="ko-KR" sz="1600">
+                <a:latin typeface="Arial"/>
+                <a:cs typeface="Arial"/>
+              </a:rPr>
+              <a:t> </a:t>
+            </a:r>
+            <a:r>
+              <a:rPr lang="en-US" altLang="ko-KR" sz="1600" err="1">
                 <a:latin typeface="Arial"/>
                 <a:cs typeface="Arial"/>
               </a:rPr>
               <a:t>필요하며</a:t>
             </a:r>
             <a:r>
-              <a:rPr lang="en-US" altLang="ko-KR" sz="1600" dirty="0">
-                <a:latin typeface="Arial"/>
-                <a:cs typeface="Arial"/>
-              </a:rPr>
-              <a:t> </a:t>
-            </a:r>
-            <a:r>
-              <a:rPr lang="en-US" altLang="ko-KR" sz="1600" dirty="0" err="1">
+              <a:rPr lang="en-US" altLang="ko-KR" sz="1600">
+                <a:latin typeface="Arial"/>
+                <a:cs typeface="Arial"/>
+              </a:rPr>
+              <a:t> </a:t>
+            </a:r>
+            <a:r>
+              <a:rPr lang="en-US" altLang="ko-KR" sz="1600" err="1">
                 <a:latin typeface="Arial"/>
                 <a:cs typeface="Arial"/>
               </a:rPr>
               <a:t>방화벽</a:t>
             </a:r>
             <a:r>
-              <a:rPr lang="en-US" altLang="ko-KR" sz="1600" dirty="0">
+              <a:rPr lang="en-US" altLang="ko-KR" sz="1600">
                 <a:latin typeface="Arial"/>
                 <a:cs typeface="Arial"/>
               </a:rPr>
               <a:t>/</a:t>
             </a:r>
             <a:r>
-              <a:rPr lang="en-US" altLang="ko-KR" sz="1600" dirty="0" err="1">
+              <a:rPr lang="en-US" altLang="ko-KR" sz="1600" err="1">
                 <a:latin typeface="Arial"/>
                 <a:cs typeface="Arial"/>
               </a:rPr>
               <a:t>포트</a:t>
             </a:r>
             <a:r>
-              <a:rPr lang="en-US" altLang="ko-KR" sz="1600" dirty="0">
+              <a:rPr lang="en-US" altLang="ko-KR" sz="1600">
                 <a:latin typeface="Arial"/>
                 <a:cs typeface="Arial"/>
               </a:rPr>
               <a:t> 등 </a:t>
             </a:r>
             <a:r>
-              <a:rPr lang="en-US" altLang="ko-KR" sz="1600" dirty="0" err="1">
+              <a:rPr lang="en-US" altLang="ko-KR" sz="1600" err="1">
                 <a:latin typeface="Arial"/>
                 <a:cs typeface="Arial"/>
               </a:rPr>
               <a:t>설정이</a:t>
             </a:r>
             <a:r>
-              <a:rPr lang="en-US" altLang="ko-KR" sz="1600" dirty="0">
-                <a:latin typeface="Arial"/>
-                <a:cs typeface="Arial"/>
-              </a:rPr>
-              <a:t> </a:t>
-            </a:r>
-            <a:r>
-              <a:rPr lang="en-US" altLang="ko-KR" sz="1600" dirty="0" err="1">
+              <a:rPr lang="en-US" altLang="ko-KR" sz="1600">
+                <a:latin typeface="Arial"/>
+                <a:cs typeface="Arial"/>
+              </a:rPr>
+              <a:t> </a:t>
+            </a:r>
+            <a:r>
+              <a:rPr lang="en-US" altLang="ko-KR" sz="1600" err="1">
                 <a:latin typeface="Arial"/>
                 <a:cs typeface="Arial"/>
               </a:rPr>
               <a:t>복잡하다</a:t>
             </a:r>
             <a:r>
-              <a:rPr lang="en-US" altLang="ko-KR" sz="1600" dirty="0">
+              <a:rPr lang="en-US" altLang="ko-KR" sz="1600">
                 <a:latin typeface="Arial"/>
                 <a:cs typeface="Arial"/>
               </a:rPr>
@@ -6629,7 +6518,7 @@
         <p:spPr>
           <a:xfrm>
             <a:off x="332919" y="7110282"/>
-            <a:ext cx="11237173" cy="584775"/>
+            <a:ext cx="11237173" cy="338554"/>
           </a:xfrm>
           <a:prstGeom prst="rect">
             <a:avLst/>
@@ -6648,7 +6537,7 @@
                   <a:srgbClr val="0070C0"/>
                 </a:solidFill>
               </a:rPr>
-              <a:t>청크</a:t>
+              <a:t>SFTP는</a:t>
             </a:r>
             <a:r>
               <a:rPr lang="ko-KR" altLang="en-US" sz="1600">
@@ -6656,7 +6545,7 @@
                   <a:srgbClr val="0070C0"/>
                 </a:solidFill>
               </a:rPr>
-              <a:t> 업로드 방식을 통해서 파일을 일정 크기로 나눈 후(</a:t>
+              <a:t> </a:t>
             </a:r>
             <a:r>
               <a:rPr lang="ko-KR" altLang="en-US" sz="1600" err="1">
@@ -6664,7 +6553,7 @@
                   <a:srgbClr val="0070C0"/>
                 </a:solidFill>
               </a:rPr>
-              <a:t>청크</a:t>
+              <a:t>FTP에</a:t>
             </a:r>
             <a:r>
               <a:rPr lang="ko-KR" altLang="en-US" sz="1600">
@@ -6672,7 +6561,7 @@
                   <a:srgbClr val="0070C0"/>
                 </a:solidFill>
               </a:rPr>
-              <a:t>) 이를 서버로 전송하면서 </a:t>
+              <a:t> 보안을 </a:t>
             </a:r>
             <a:r>
               <a:rPr lang="ko-KR" altLang="en-US" sz="1600" err="1">
@@ -6680,7 +6569,7 @@
                   <a:srgbClr val="0070C0"/>
                 </a:solidFill>
               </a:rPr>
-              <a:t>청크</a:t>
+              <a:t>더한것으로</a:t>
             </a:r>
             <a:r>
               <a:rPr lang="ko-KR" altLang="en-US" sz="1600">
@@ -6688,39 +6577,7 @@
                   <a:srgbClr val="0070C0"/>
                 </a:solidFill>
               </a:rPr>
-              <a:t> 토큰 </a:t>
-            </a:r>
-            <a:r>
-              <a:rPr lang="ko-KR" altLang="en-US" sz="1600" err="1">
-                <a:solidFill>
-                  <a:srgbClr val="0070C0"/>
-                </a:solidFill>
-              </a:rPr>
-              <a:t>or</a:t>
-            </a:r>
-            <a:r>
-              <a:rPr lang="ko-KR" altLang="en-US" sz="1600">
-                <a:solidFill>
-                  <a:srgbClr val="0070C0"/>
-                </a:solidFill>
-              </a:rPr>
-              <a:t> </a:t>
-            </a:r>
-            <a:r>
-              <a:rPr lang="ko-KR" altLang="en-US" sz="1600" err="1">
-                <a:solidFill>
-                  <a:srgbClr val="0070C0"/>
-                </a:solidFill>
-              </a:rPr>
-              <a:t>청크</a:t>
-            </a:r>
-            <a:r>
-              <a:rPr lang="ko-KR" altLang="en-US" sz="1600">
-                <a:solidFill>
-                  <a:srgbClr val="0070C0"/>
-                </a:solidFill>
-              </a:rPr>
-              <a:t> 인덱스를 통해서 전송 상황을 확인하며 중간에 끊긴 경우도 중간부터 다시 전송이 가능하다.</a:t>
+              <a:t> 파일전송, 중단, 재개 등 다양한 기능이 제공된다</a:t>
             </a:r>
           </a:p>
         </p:txBody>
@@ -6754,6 +6611,85 @@
           </a:prstGeom>
         </p:spPr>
       </p:pic>
+      <p:sp>
+        <p:nvSpPr>
+          <p:cNvPr id="2" name="TextBox 1">
+            <a:extLst>
+              <a:ext uri="{FF2B5EF4-FFF2-40B4-BE49-F238E27FC236}">
+                <a16:creationId xmlns:a16="http://schemas.microsoft.com/office/drawing/2014/main" id="{5A0C1C55-6ECC-CFE4-584F-E1FFA25848EE}"/>
+              </a:ext>
+            </a:extLst>
+          </p:cNvPr>
+          <p:cNvSpPr txBox="1"/>
+          <p:nvPr/>
+        </p:nvSpPr>
+        <p:spPr>
+          <a:xfrm>
+            <a:off x="4724400" y="3200400"/>
+            <a:ext cx="2743200" cy="369332"/>
+          </a:xfrm>
+          <a:prstGeom prst="rect">
+            <a:avLst/>
+          </a:prstGeom>
+          <a:noFill/>
+        </p:spPr>
+        <p:txBody>
+          <a:bodyPr rot="0" spcFirstLastPara="0" vertOverflow="overflow" horzOverflow="overflow" vert="horz" wrap="square" lIns="91440" tIns="45720" rIns="91440" bIns="45720" numCol="1" spcCol="0" rtlCol="0" fromWordArt="0" anchor="t" anchorCtr="0" forceAA="0" compatLnSpc="1">
+            <a:prstTxWarp prst="textNoShape">
+              <a:avLst/>
+            </a:prstTxWarp>
+            <a:spAutoFit/>
+          </a:bodyPr>
+          <a:lstStyle/>
+          <a:p>
+            <a:r>
+              <a:rPr lang="ko-KR">
+                <a:latin typeface="Malgun Gothic"/>
+              </a:rPr>
+              <a:t>HTTP Range Request</a:t>
+            </a:r>
+            <a:endParaRPr lang="ko-KR" altLang="en-US"/>
+          </a:p>
+        </p:txBody>
+      </p:sp>
+      <p:sp>
+        <p:nvSpPr>
+          <p:cNvPr id="7" name="텍스트 개체 틀 3">
+            <a:extLst>
+              <a:ext uri="{FF2B5EF4-FFF2-40B4-BE49-F238E27FC236}">
+                <a16:creationId xmlns:a16="http://schemas.microsoft.com/office/drawing/2014/main" id="{46F6CB8F-355D-643F-2818-924A76B3CF41}"/>
+              </a:ext>
+            </a:extLst>
+          </p:cNvPr>
+          <p:cNvSpPr>
+            <a:spLocks noGrp="1"/>
+          </p:cNvSpPr>
+          <p:nvPr>
+            <p:ph type="body" sz="quarter" idx="14"/>
+          </p:nvPr>
+        </p:nvSpPr>
+        <p:spPr>
+          <a:xfrm>
+            <a:off x="11369502" y="333930"/>
+            <a:ext cx="451022" cy="272382"/>
+          </a:xfrm>
+        </p:spPr>
+        <p:txBody>
+          <a:bodyPr wrap="none" lIns="91440" tIns="45720" rIns="0" bIns="45720" rtlCol="0" anchor="t">
+            <a:spAutoFit/>
+          </a:bodyPr>
+          <a:lstStyle/>
+          <a:p>
+            <a:r>
+              <a:rPr lang="ko-KR" altLang="en-US">
+                <a:ea typeface="Pretendard Medium"/>
+              </a:rPr>
+              <a:t>SFTP</a:t>
+            </a:r>
+            <a:endParaRPr lang="ko-KR"/>
+          </a:p>
+        </p:txBody>
+      </p:sp>
     </p:spTree>
     <p:extLst>
       <p:ext uri="{BB962C8B-B14F-4D97-AF65-F5344CB8AC3E}">
@@ -6862,7 +6798,7 @@
         <p:spPr>
           <a:xfrm>
             <a:off x="332919" y="7110282"/>
-            <a:ext cx="11237173" cy="584775"/>
+            <a:ext cx="11237173" cy="338554"/>
           </a:xfrm>
           <a:prstGeom prst="rect">
             <a:avLst/>
@@ -6876,6 +6812,14 @@
           <a:lstStyle/>
           <a:p>
             <a:r>
+              <a:rPr lang="ko-KR" altLang="en-US" sz="1600">
+                <a:solidFill>
+                  <a:srgbClr val="0070C0"/>
+                </a:solidFill>
+              </a:rPr>
+              <a:t>다양한 방식이 있지만 가장 단순하고 직관적인 </a:t>
+            </a:r>
+            <a:r>
               <a:rPr lang="ko-KR" altLang="en-US" sz="1600" err="1">
                 <a:solidFill>
                   <a:srgbClr val="0070C0"/>
@@ -6889,71 +6833,7 @@
                   <a:srgbClr val="0070C0"/>
                 </a:solidFill>
               </a:rPr>
-              <a:t> 업로드 방식을 통해서 파일을 일정 크기로 나눈 후(</a:t>
-            </a:r>
-            <a:r>
-              <a:rPr lang="ko-KR" altLang="en-US" sz="1600" err="1">
-                <a:solidFill>
-                  <a:srgbClr val="0070C0"/>
-                </a:solidFill>
-              </a:rPr>
-              <a:t>청크</a:t>
-            </a:r>
-            <a:r>
-              <a:rPr lang="ko-KR" altLang="en-US" sz="1600">
-                <a:solidFill>
-                  <a:srgbClr val="0070C0"/>
-                </a:solidFill>
-              </a:rPr>
-              <a:t>) 이를 서버로 전송하면서 </a:t>
-            </a:r>
-            <a:r>
-              <a:rPr lang="ko-KR" altLang="en-US" sz="1600" err="1">
-                <a:solidFill>
-                  <a:srgbClr val="0070C0"/>
-                </a:solidFill>
-              </a:rPr>
-              <a:t>청크</a:t>
-            </a:r>
-            <a:r>
-              <a:rPr lang="ko-KR" altLang="en-US" sz="1600">
-                <a:solidFill>
-                  <a:srgbClr val="0070C0"/>
-                </a:solidFill>
-              </a:rPr>
-              <a:t> 토큰 </a:t>
-            </a:r>
-            <a:r>
-              <a:rPr lang="ko-KR" altLang="en-US" sz="1600" err="1">
-                <a:solidFill>
-                  <a:srgbClr val="0070C0"/>
-                </a:solidFill>
-              </a:rPr>
-              <a:t>or</a:t>
-            </a:r>
-            <a:r>
-              <a:rPr lang="ko-KR" altLang="en-US" sz="1600">
-                <a:solidFill>
-                  <a:srgbClr val="0070C0"/>
-                </a:solidFill>
-              </a:rPr>
-              <a:t> </a:t>
-            </a:r>
-            <a:r>
-              <a:rPr lang="ko-KR" altLang="en-US" sz="1600" err="1">
-                <a:solidFill>
-                  <a:srgbClr val="0070C0"/>
-                </a:solidFill>
-              </a:rPr>
-              <a:t>청크</a:t>
-            </a:r>
-            <a:r>
-              <a:rPr lang="ko-KR" altLang="en-US" sz="1600">
-                <a:solidFill>
-                  <a:srgbClr val="0070C0"/>
-                </a:solidFill>
-              </a:rPr>
-              <a:t> 인덱스를 통해서 전송 상황을 확인하며 중간에 끊긴 경우도 중간부터 다시 전송이 가능하다.</a:t>
+              <a:t> 방식 선택</a:t>
             </a:r>
           </a:p>
         </p:txBody>
@@ -6973,13 +6853,13 @@
           <p:nvPr>
             <p:extLst>
               <p:ext uri="{D42A27DB-BD31-4B8C-83A1-F6EECF244321}">
-                <p14:modId xmlns:p14="http://schemas.microsoft.com/office/powerpoint/2010/main" val="1035926114"/>
+                <p14:modId xmlns:p14="http://schemas.microsoft.com/office/powerpoint/2010/main" val="550828028"/>
               </p:ext>
             </p:extLst>
           </p:nvPr>
         </p:nvGraphicFramePr>
         <p:xfrm>
-          <a:off x="860213" y="1331976"/>
+          <a:off x="611920" y="1229234"/>
           <a:ext cx="10976580" cy="5216089"/>
         </p:xfrm>
         <a:graphic>
@@ -7028,7 +6908,7 @@
                         <a:buNone/>
                       </a:pPr>
                       <a:r>
-                        <a:rPr lang="ko-KR" altLang="en-US" b="1" dirty="0">
+                        <a:rPr lang="ko-KR" altLang="en-US" b="1">
                           <a:solidFill>
                             <a:srgbClr val="000000"/>
                           </a:solidFill>
@@ -7061,7 +6941,7 @@
                         <a:t>Chunk</a:t>
                       </a:r>
                       <a:r>
-                        <a:rPr lang="ko-KR" sz="1800" b="1" u="none" strike="noStrike" noProof="0" dirty="0">
+                        <a:rPr lang="ko-KR" sz="1800" b="1" u="none" strike="noStrike" noProof="0">
                           <a:solidFill>
                             <a:srgbClr val="000000"/>
                           </a:solidFill>
@@ -7069,7 +6949,7 @@
                         <a:t> </a:t>
                       </a:r>
                       <a:r>
-                        <a:rPr lang="ko-KR" altLang="en-US" sz="1800" b="1" u="none" strike="noStrike" noProof="0" dirty="0">
+                        <a:rPr lang="ko-KR" altLang="en-US" sz="1800" b="1" u="none" strike="noStrike" noProof="0">
                           <a:solidFill>
                             <a:srgbClr val="000000"/>
                           </a:solidFill>
@@ -7094,7 +6974,7 @@
                         <a:buNone/>
                       </a:pPr>
                       <a:r>
-                        <a:rPr lang="ko-KR" altLang="en-US" b="1" dirty="0">
+                        <a:rPr lang="ko-KR" altLang="en-US" b="1">
                           <a:solidFill>
                             <a:srgbClr val="000000"/>
                           </a:solidFill>
@@ -7110,7 +6990,7 @@
                         <a:t>Range</a:t>
                       </a:r>
                       <a:r>
-                        <a:rPr lang="ko-KR" altLang="en-US" b="1" dirty="0">
+                        <a:rPr lang="ko-KR" altLang="en-US" b="1">
                           <a:solidFill>
                             <a:srgbClr val="000000"/>
                           </a:solidFill>
@@ -7143,7 +7023,7 @@
                         <a:buNone/>
                       </a:pPr>
                       <a:r>
-                        <a:rPr lang="ko-KR" altLang="en-US" b="1" dirty="0">
+                        <a:rPr lang="ko-KR" altLang="en-US" b="1">
                           <a:solidFill>
                             <a:srgbClr val="000000"/>
                           </a:solidFill>
@@ -7170,7 +7050,7 @@
                         <a:buNone/>
                       </a:pPr>
                       <a:r>
-                        <a:rPr lang="ko-KR" altLang="en-US" b="1" dirty="0">
+                        <a:rPr lang="ko-KR" altLang="en-US" b="1">
                           <a:solidFill>
                             <a:srgbClr val="000000"/>
                           </a:solidFill>
@@ -7195,7 +7075,7 @@
                         <a:buNone/>
                       </a:pPr>
                       <a:r>
-                        <a:rPr lang="ko-KR" altLang="en-US" sz="1800" dirty="0">
+                        <a:rPr lang="ko-KR" altLang="en-US" sz="1800">
                           <a:solidFill>
                             <a:srgbClr val="000000"/>
                           </a:solidFill>
@@ -7211,7 +7091,7 @@
                         <a:t>Chunk</a:t>
                       </a:r>
                       <a:r>
-                        <a:rPr lang="ko-KR" altLang="en-US" sz="1800" dirty="0">
+                        <a:rPr lang="ko-KR" altLang="en-US" sz="1800">
                           <a:solidFill>
                             <a:srgbClr val="000000"/>
                           </a:solidFill>
@@ -7244,12 +7124,12 @@
                         <a:t>range</a:t>
                       </a:r>
                       <a:r>
-                        <a:rPr lang="ko-KR" altLang="en-US" sz="1800" dirty="0">
+                        <a:rPr lang="ko-KR" altLang="en-US" sz="1800">
                           <a:solidFill>
                             <a:srgbClr val="000000"/>
                           </a:solidFill>
                         </a:rPr>
-                        <a:t> 헤더를 사용하여 특정 바이트 범위만 부분적으로 전송</a:t>
+                        <a:t> 헤더를 사용하여 특정 바이트 범위만 부분 전송</a:t>
                       </a:r>
                       <a:endParaRPr lang="ko-KR" sz="1800">
                         <a:solidFill>
@@ -7277,7 +7157,7 @@
                         <a:t>SSH기반으로</a:t>
                       </a:r>
                       <a:r>
-                        <a:rPr lang="ko-KR" altLang="en-US" sz="1800" dirty="0">
+                        <a:rPr lang="ko-KR" altLang="en-US" sz="1800">
                           <a:solidFill>
                             <a:srgbClr val="000000"/>
                           </a:solidFill>
@@ -7309,7 +7189,7 @@
                         <a:buNone/>
                       </a:pPr>
                       <a:r>
-                        <a:rPr lang="ko-KR" altLang="en-US" b="1" dirty="0">
+                        <a:rPr lang="ko-KR" altLang="en-US" b="1">
                           <a:solidFill>
                             <a:srgbClr val="000000"/>
                           </a:solidFill>
@@ -7334,7 +7214,7 @@
                         <a:buNone/>
                       </a:pPr>
                       <a:r>
-                        <a:rPr lang="ko-KR" sz="1800" b="0" i="0" u="none" strike="noStrike" noProof="0" dirty="0">
+                        <a:rPr lang="ko-KR" sz="1800" b="0" i="0" u="none" strike="noStrike" noProof="0">
                           <a:solidFill>
                             <a:srgbClr val="000000"/>
                           </a:solidFill>
@@ -7343,7 +7223,7 @@
                         <a:t>· </a:t>
                       </a:r>
                       <a:r>
-                        <a:rPr lang="ko-KR" altLang="en-US" sz="1800" dirty="0">
+                        <a:rPr lang="ko-KR" altLang="en-US" sz="1800">
                           <a:solidFill>
                             <a:srgbClr val="000000"/>
                           </a:solidFill>
@@ -7363,7 +7243,7 @@
                         <a:buNone/>
                       </a:pPr>
                       <a:r>
-                        <a:rPr lang="ko-KR" sz="1800" b="0" i="0" u="none" strike="noStrike" noProof="0" dirty="0">
+                        <a:rPr lang="ko-KR" sz="1800" b="0" i="0" u="none" strike="noStrike" noProof="0">
                           <a:solidFill>
                             <a:srgbClr val="000000"/>
                           </a:solidFill>
@@ -7372,7 +7252,7 @@
                         <a:t>· </a:t>
                       </a:r>
                       <a:r>
-                        <a:rPr lang="ko-KR" altLang="en-US" sz="1800" dirty="0">
+                        <a:rPr lang="ko-KR" altLang="en-US" sz="1800">
                           <a:solidFill>
                             <a:srgbClr val="000000"/>
                           </a:solidFill>
@@ -7397,7 +7277,7 @@
                         <a:buNone/>
                       </a:pPr>
                       <a:r>
-                        <a:rPr lang="ko-KR" sz="1800" b="0" i="0" u="none" strike="noStrike" noProof="0" dirty="0">
+                        <a:rPr lang="ko-KR" sz="1800" b="0" i="0" u="none" strike="noStrike" noProof="0">
                           <a:solidFill>
                             <a:srgbClr val="000000"/>
                           </a:solidFill>
@@ -7406,14 +7286,14 @@
                         <a:t>· </a:t>
                       </a:r>
                       <a:r>
-                        <a:rPr lang="ko-KR" altLang="en-US" sz="1800" dirty="0">
+                        <a:rPr lang="ko-KR" altLang="en-US" sz="1800">
                           <a:solidFill>
                             <a:srgbClr val="000000"/>
                           </a:solidFill>
                         </a:rPr>
                         <a:t>보안성</a:t>
                       </a:r>
-                      <a:endParaRPr lang="ko-KR" sz="1800" dirty="0">
+                      <a:endParaRPr lang="ko-KR" sz="1800">
                         <a:solidFill>
                           <a:srgbClr val="000000"/>
                         </a:solidFill>
@@ -7424,7 +7304,7 @@
                         <a:buNone/>
                       </a:pPr>
                       <a:r>
-                        <a:rPr lang="ko-KR" sz="1800" b="0" i="0" u="none" strike="noStrike" noProof="0" dirty="0">
+                        <a:rPr lang="ko-KR" sz="1800" b="0" i="0" u="none" strike="noStrike" noProof="0">
                           <a:solidFill>
                             <a:srgbClr val="000000"/>
                           </a:solidFill>
@@ -7433,7 +7313,7 @@
                         <a:t>· </a:t>
                       </a:r>
                       <a:r>
-                        <a:rPr lang="ko-KR" altLang="en-US" sz="1800" dirty="0">
+                        <a:rPr lang="ko-KR" altLang="en-US" sz="1800">
                           <a:solidFill>
                             <a:srgbClr val="000000"/>
                           </a:solidFill>
@@ -7460,7 +7340,7 @@
                         <a:buNone/>
                       </a:pPr>
                       <a:r>
-                        <a:rPr lang="ko-KR" altLang="en-US" b="1" dirty="0">
+                        <a:rPr lang="ko-KR" altLang="en-US" b="1">
                           <a:solidFill>
                             <a:srgbClr val="000000"/>
                           </a:solidFill>
@@ -7485,7 +7365,7 @@
                         <a:buNone/>
                       </a:pPr>
                       <a:r>
-                        <a:rPr lang="ko-KR" sz="1800" b="0" i="0" u="none" strike="noStrike" noProof="0" dirty="0">
+                        <a:rPr lang="ko-KR" sz="1800" b="0" i="0" u="none" strike="noStrike" noProof="0">
                           <a:solidFill>
                             <a:srgbClr val="000000"/>
                           </a:solidFill>
@@ -7502,7 +7382,7 @@
                         <a:t>청크</a:t>
                       </a:r>
                       <a:r>
-                        <a:rPr lang="ko-KR" altLang="en-US" sz="1800" dirty="0">
+                        <a:rPr lang="ko-KR" altLang="en-US" sz="1800">
                           <a:solidFill>
                             <a:srgbClr val="000000"/>
                           </a:solidFill>
@@ -7520,7 +7400,7 @@
                         <a:buNone/>
                       </a:pPr>
                       <a:r>
-                        <a:rPr lang="ko-KR" sz="1800" b="0" i="0" u="none" strike="noStrike" noProof="0" dirty="0">
+                        <a:rPr lang="ko-KR" sz="1800" b="0" i="0" u="none" strike="noStrike" noProof="0">
                           <a:solidFill>
                             <a:srgbClr val="000000"/>
                           </a:solidFill>
@@ -7529,7 +7409,7 @@
                         <a:t>· </a:t>
                       </a:r>
                       <a:r>
-                        <a:rPr lang="ko-KR" altLang="en-US" sz="1800" dirty="0">
+                        <a:rPr lang="ko-KR" altLang="en-US" sz="1800">
                           <a:solidFill>
                             <a:srgbClr val="000000"/>
                           </a:solidFill>
@@ -7550,16 +7430,25 @@
                     <a:bodyPr/>
                     <a:lstStyle/>
                     <a:p>
-                      <a:pPr lvl="0">
+                      <a:pPr marL="0" lvl="0" indent="0">
                         <a:buNone/>
                       </a:pPr>
                       <a:r>
-                        <a:rPr lang="ko-KR" altLang="en-US" sz="1800" dirty="0">
+                        <a:rPr lang="ko-KR" sz="1800" b="0" i="0" u="none" strike="noStrike" noProof="0">
+                          <a:solidFill>
+                            <a:srgbClr val="000000"/>
+                          </a:solidFill>
+                          <a:ea typeface="Pretendard"/>
+                        </a:rPr>
+                        <a:t>· </a:t>
+                      </a:r>
+                      <a:r>
+                        <a:rPr lang="ko-KR" altLang="en-US" sz="1800">
                           <a:solidFill>
                             <a:srgbClr val="000000"/>
                           </a:solidFill>
                         </a:rPr>
-                        <a:t>업로드를 위해서는 서버가 </a:t>
+                        <a:t>서버에 </a:t>
                       </a:r>
                       <a:r>
                         <a:rPr lang="ko-KR" altLang="en-US" sz="1800" err="1">
@@ -7570,28 +7459,30 @@
                         <a:t>Partial</a:t>
                       </a:r>
                       <a:r>
-                        <a:rPr lang="ko-KR" altLang="en-US" sz="1800" dirty="0">
+                        <a:rPr lang="ko-KR" altLang="en-US" sz="1800">
                           <a:solidFill>
                             <a:srgbClr val="000000"/>
                           </a:solidFill>
                         </a:rPr>
-                        <a:t> </a:t>
+                        <a:t> PUT 구현 필요 </a:t>
                       </a:r>
                       <a:r>
-                        <a:rPr lang="ko-KR" altLang="en-US" sz="1800" err="1">
+                        <a:rPr lang="ko-KR" sz="1800" b="0" i="0" u="none" strike="noStrike" noProof="0">
                           <a:solidFill>
                             <a:srgbClr val="000000"/>
                           </a:solidFill>
+                          <a:ea typeface="Pretendard"/>
                         </a:rPr>
-                        <a:t>PUT을</a:t>
+                        <a:t>· 비교적 </a:t>
                       </a:r>
                       <a:r>
-                        <a:rPr lang="ko-KR" altLang="en-US" sz="1800" dirty="0">
+                        <a:rPr lang="ko-KR" altLang="en-US" sz="1800" b="0" i="0" u="none" strike="noStrike" noProof="0">
                           <a:solidFill>
                             <a:srgbClr val="000000"/>
                           </a:solidFill>
+                          <a:ea typeface="Pretendard"/>
                         </a:rPr>
-                        <a:t> 지원해야 하며 구현 난이도가 높음</a:t>
+                        <a:t>복잡</a:t>
                       </a:r>
                       <a:endParaRPr lang="ko-KR" sz="1800">
                         <a:solidFill>
@@ -7611,7 +7502,7 @@
                         <a:buNone/>
                       </a:pPr>
                       <a:r>
-                        <a:rPr lang="ko-KR" sz="1800" b="0" i="0" u="none" strike="noStrike" noProof="0" dirty="0">
+                        <a:rPr lang="ko-KR" sz="1800" b="0" i="0" u="none" strike="noStrike" noProof="0">
                           <a:solidFill>
                             <a:srgbClr val="000000"/>
                           </a:solidFill>
@@ -7620,7 +7511,7 @@
                         <a:t>· </a:t>
                       </a:r>
                       <a:r>
-                        <a:rPr lang="ko-KR" altLang="en-US" sz="1800" u="none" strike="noStrike" noProof="0" dirty="0">
+                        <a:rPr lang="ko-KR" altLang="en-US" sz="1800" u="none" strike="noStrike" noProof="0">
                           <a:solidFill>
                             <a:srgbClr val="000000"/>
                           </a:solidFill>
@@ -7628,7 +7519,7 @@
                         <a:t>별도의</a:t>
                       </a:r>
                       <a:r>
-                        <a:rPr lang="en-US" altLang="ko-KR" sz="1800" u="none" strike="noStrike" noProof="0" dirty="0">
+                        <a:rPr lang="en-US" altLang="ko-KR" sz="1800" u="none" strike="noStrike" noProof="0">
                           <a:solidFill>
                             <a:srgbClr val="000000"/>
                           </a:solidFill>
@@ -7636,7 +7527,7 @@
                         <a:t> SFTP </a:t>
                       </a:r>
                       <a:r>
-                        <a:rPr lang="ko-KR" altLang="en-US" sz="1800" u="none" strike="noStrike" noProof="0" dirty="0">
+                        <a:rPr lang="ko-KR" altLang="en-US" sz="1800" u="none" strike="noStrike" noProof="0">
                           <a:solidFill>
                             <a:srgbClr val="000000"/>
                           </a:solidFill>
@@ -7644,7 +7535,7 @@
                         <a:t>서버가</a:t>
                       </a:r>
                       <a:r>
-                        <a:rPr lang="en-US" altLang="ko-KR" sz="1800" u="none" strike="noStrike" noProof="0" dirty="0">
+                        <a:rPr lang="en-US" altLang="ko-KR" sz="1800" u="none" strike="noStrike" noProof="0">
                           <a:solidFill>
                             <a:srgbClr val="000000"/>
                           </a:solidFill>
@@ -7652,14 +7543,14 @@
                         <a:t> </a:t>
                       </a:r>
                       <a:r>
-                        <a:rPr lang="ko-KR" altLang="en-US" sz="1800" u="none" strike="noStrike" noProof="0" dirty="0">
+                        <a:rPr lang="ko-KR" altLang="en-US" sz="1800" u="none" strike="noStrike" noProof="0">
                           <a:solidFill>
                             <a:srgbClr val="000000"/>
                           </a:solidFill>
                         </a:rPr>
                         <a:t>필요</a:t>
                       </a:r>
-                      <a:endParaRPr lang="ko-KR" sz="1800" dirty="0">
+                      <a:endParaRPr lang="ko-KR" sz="1800">
                         <a:solidFill>
                           <a:srgbClr val="000000"/>
                         </a:solidFill>
@@ -7670,7 +7561,7 @@
                         <a:buNone/>
                       </a:pPr>
                       <a:r>
-                        <a:rPr lang="ko-KR" sz="1800" b="0" i="0" u="none" strike="noStrike" noProof="0" dirty="0">
+                        <a:rPr lang="ko-KR" sz="1800" b="0" i="0" u="none" strike="noStrike" noProof="0">
                           <a:solidFill>
                             <a:srgbClr val="000000"/>
                           </a:solidFill>
@@ -7679,7 +7570,7 @@
                         <a:t>· </a:t>
                       </a:r>
                       <a:r>
-                        <a:rPr lang="ko-KR" altLang="en-US" sz="1800" u="none" strike="noStrike" noProof="0" dirty="0">
+                        <a:rPr lang="ko-KR" altLang="en-US" sz="1800" u="none" strike="noStrike" noProof="0">
                           <a:solidFill>
                             <a:srgbClr val="000000"/>
                           </a:solidFill>
@@ -7687,7 +7578,7 @@
                         <a:t>방화벽</a:t>
                       </a:r>
                       <a:r>
-                        <a:rPr lang="en-US" altLang="ko-KR" sz="1800" u="none" strike="noStrike" noProof="0" dirty="0">
+                        <a:rPr lang="en-US" altLang="ko-KR" sz="1800" u="none" strike="noStrike" noProof="0">
                           <a:solidFill>
                             <a:srgbClr val="000000"/>
                           </a:solidFill>
@@ -7695,7 +7586,7 @@
                         <a:t>/</a:t>
                       </a:r>
                       <a:r>
-                        <a:rPr lang="ko-KR" altLang="en-US" sz="1800" u="none" strike="noStrike" noProof="0" dirty="0">
+                        <a:rPr lang="ko-KR" altLang="en-US" sz="1800" u="none" strike="noStrike" noProof="0">
                           <a:solidFill>
                             <a:srgbClr val="000000"/>
                           </a:solidFill>
@@ -7703,7 +7594,7 @@
                         <a:t>포트</a:t>
                       </a:r>
                       <a:r>
-                        <a:rPr lang="en-US" altLang="ko-KR" sz="1800" u="none" strike="noStrike" noProof="0" dirty="0">
+                        <a:rPr lang="en-US" altLang="ko-KR" sz="1800" u="none" strike="noStrike" noProof="0">
                           <a:solidFill>
                             <a:srgbClr val="000000"/>
                           </a:solidFill>
@@ -7711,7 +7602,7 @@
                         <a:t> </a:t>
                       </a:r>
                       <a:r>
-                        <a:rPr lang="ko-KR" altLang="en-US" sz="1800" u="none" strike="noStrike" noProof="0" dirty="0">
+                        <a:rPr lang="ko-KR" altLang="en-US" sz="1800" u="none" strike="noStrike" noProof="0">
                           <a:solidFill>
                             <a:srgbClr val="000000"/>
                           </a:solidFill>
@@ -7719,7 +7610,7 @@
                         <a:t>등</a:t>
                       </a:r>
                       <a:r>
-                        <a:rPr lang="en-US" altLang="ko-KR" sz="1800" u="none" strike="noStrike" noProof="0" dirty="0">
+                        <a:rPr lang="en-US" altLang="ko-KR" sz="1800" u="none" strike="noStrike" noProof="0">
                           <a:solidFill>
                             <a:srgbClr val="000000"/>
                           </a:solidFill>
@@ -7727,14 +7618,14 @@
                         <a:t> </a:t>
                       </a:r>
                       <a:r>
-                        <a:rPr lang="ko-KR" altLang="en-US" sz="1800" u="none" strike="noStrike" noProof="0" dirty="0">
+                        <a:rPr lang="ko-KR" altLang="en-US" sz="1800" u="none" strike="noStrike" noProof="0">
                           <a:solidFill>
                             <a:srgbClr val="000000"/>
                           </a:solidFill>
                         </a:rPr>
                         <a:t>설정 필요</a:t>
                       </a:r>
-                      <a:endParaRPr lang="en-US" altLang="ko-KR" sz="1800" u="none" strike="noStrike" noProof="0" dirty="0">
+                      <a:endParaRPr lang="en-US" altLang="ko-KR" sz="1800" u="none" strike="noStrike" noProof="0">
                         <a:solidFill>
                           <a:srgbClr val="000000"/>
                         </a:solidFill>
@@ -7866,211 +7757,6 @@
           <a:lstStyle/>
           <a:p>
             <a:endParaRPr lang="ko-KR" altLang="en-US"/>
-          </a:p>
-        </p:txBody>
-      </p:sp>
-      <p:sp>
-        <p:nvSpPr>
-          <p:cNvPr id="5" name="TextBox 4">
-            <a:extLst>
-              <a:ext uri="{FF2B5EF4-FFF2-40B4-BE49-F238E27FC236}">
-                <a16:creationId xmlns:a16="http://schemas.microsoft.com/office/drawing/2014/main" id="{084B40BD-6E65-EBC2-4720-2852B7CCBFE6}"/>
-              </a:ext>
-            </a:extLst>
-          </p:cNvPr>
-          <p:cNvSpPr txBox="1"/>
-          <p:nvPr/>
-        </p:nvSpPr>
-        <p:spPr>
-          <a:xfrm>
-            <a:off x="571466" y="7283431"/>
-            <a:ext cx="11237173" cy="1569660"/>
-          </a:xfrm>
-          <a:prstGeom prst="rect">
-            <a:avLst/>
-          </a:prstGeom>
-          <a:noFill/>
-        </p:spPr>
-        <p:txBody>
-          <a:bodyPr wrap="square" lIns="91440" tIns="45720" rIns="91440" bIns="45720" rtlCol="0" anchor="t">
-            <a:spAutoFit/>
-          </a:bodyPr>
-          <a:lstStyle/>
-          <a:p>
-            <a:r>
-              <a:rPr lang="ko-KR" altLang="en-US" sz="1600"/>
-              <a:t>클라이언트</a:t>
-            </a:r>
-            <a:endParaRPr lang="ko-KR"/>
-          </a:p>
-          <a:p>
-            <a:pPr marL="342900" indent="-342900">
-              <a:buAutoNum type="arabicPeriod"/>
-            </a:pPr>
-            <a:r>
-              <a:rPr lang="ko-KR" altLang="en-US" sz="1600"/>
-              <a:t>서버가 현재 파일을 어디까지 받았는지 확인</a:t>
-            </a:r>
-          </a:p>
-          <a:p>
-            <a:pPr marL="342900" indent="-342900">
-              <a:buAutoNum type="arabicPeriod"/>
-            </a:pPr>
-            <a:r>
-              <a:rPr lang="ko-KR" altLang="en-US" sz="1600"/>
-              <a:t>클라이언트에서 파일을 읽은 후 </a:t>
-            </a:r>
-            <a:r>
-              <a:rPr lang="ko-KR" altLang="en-US" sz="1600" err="1"/>
-              <a:t>청크</a:t>
-            </a:r>
-            <a:r>
-              <a:rPr lang="ko-KR" altLang="en-US" sz="1600"/>
-              <a:t> 단위로 분할 </a:t>
-            </a:r>
-          </a:p>
-          <a:p>
-            <a:pPr marL="342900" indent="-342900">
-              <a:buAutoNum type="arabicPeriod"/>
-            </a:pPr>
-            <a:r>
-              <a:rPr lang="ko-KR" altLang="en-US" sz="1600"/>
-              <a:t>인덱스부터 </a:t>
-            </a:r>
-            <a:r>
-              <a:rPr lang="ko-KR" altLang="en-US" sz="1600" err="1"/>
-              <a:t>청크를</a:t>
-            </a:r>
-            <a:r>
-              <a:rPr lang="ko-KR" altLang="en-US" sz="1600"/>
-              <a:t> 서버로 전송</a:t>
-            </a:r>
-            <a:endParaRPr lang="ko-KR"/>
-          </a:p>
-          <a:p>
-            <a:pPr marL="342900" indent="-342900">
-              <a:buAutoNum type="arabicPeriod"/>
-            </a:pPr>
-            <a:r>
-              <a:rPr lang="ko-KR" altLang="en-US" sz="1600"/>
-              <a:t>3을 반복</a:t>
-            </a:r>
-          </a:p>
-          <a:p>
-            <a:pPr marL="342900" indent="-342900">
-              <a:buAutoNum type="arabicPeriod"/>
-            </a:pPr>
-            <a:r>
-              <a:rPr lang="ko-KR" altLang="en-US" sz="1600"/>
-              <a:t>만약 전송이 중단되었다면 1에서 다시 시작</a:t>
-            </a:r>
-          </a:p>
-        </p:txBody>
-      </p:sp>
-      <p:sp>
-        <p:nvSpPr>
-          <p:cNvPr id="6" name="TextBox 5">
-            <a:extLst>
-              <a:ext uri="{FF2B5EF4-FFF2-40B4-BE49-F238E27FC236}">
-                <a16:creationId xmlns:a16="http://schemas.microsoft.com/office/drawing/2014/main" id="{A7A611D7-BD06-9E5C-F69A-7B210DFB07CC}"/>
-              </a:ext>
-            </a:extLst>
-          </p:cNvPr>
-          <p:cNvSpPr txBox="1"/>
-          <p:nvPr/>
-        </p:nvSpPr>
-        <p:spPr>
-          <a:xfrm>
-            <a:off x="6192285" y="7526622"/>
-            <a:ext cx="5749152" cy="1323439"/>
-          </a:xfrm>
-          <a:prstGeom prst="rect">
-            <a:avLst/>
-          </a:prstGeom>
-          <a:noFill/>
-        </p:spPr>
-        <p:txBody>
-          <a:bodyPr wrap="square" lIns="91440" tIns="45720" rIns="91440" bIns="45720" rtlCol="0" anchor="t">
-            <a:spAutoFit/>
-          </a:bodyPr>
-          <a:lstStyle/>
-          <a:p>
-            <a:r>
-              <a:rPr lang="ko-KR" altLang="en-US" sz="1600"/>
-              <a:t>서버</a:t>
-            </a:r>
-          </a:p>
-          <a:p>
-            <a:pPr marL="342900" indent="-342900">
-              <a:buAutoNum type="arabicPeriod"/>
-            </a:pPr>
-            <a:r>
-              <a:rPr lang="ko-KR" altLang="en-US" sz="1600"/>
-              <a:t>클라이언트로부터 업로드 요청 수신</a:t>
-            </a:r>
-          </a:p>
-          <a:p>
-            <a:pPr marL="342900" indent="-342900">
-              <a:buAutoNum type="arabicPeriod"/>
-            </a:pPr>
-            <a:r>
-              <a:rPr lang="ko-KR" altLang="en-US" sz="1600"/>
-              <a:t>파일 </a:t>
-            </a:r>
-            <a:r>
-              <a:rPr lang="ko-KR" altLang="en-US" sz="1600" err="1"/>
-              <a:t>ID별</a:t>
-            </a:r>
-            <a:r>
-              <a:rPr lang="ko-KR" altLang="en-US" sz="1600"/>
-              <a:t> 업로드 상태를 저장(처음보는 </a:t>
-            </a:r>
-            <a:r>
-              <a:rPr lang="ko-KR" altLang="en-US" sz="1600" err="1"/>
-              <a:t>ID라면</a:t>
-            </a:r>
-            <a:r>
-              <a:rPr lang="ko-KR" altLang="en-US" sz="1600"/>
-              <a:t> </a:t>
-            </a:r>
-            <a:r>
-              <a:rPr lang="ko-KR" altLang="en-US" sz="1600" err="1"/>
-              <a:t>offset</a:t>
-            </a:r>
-            <a:r>
-              <a:rPr lang="ko-KR" altLang="en-US" sz="1600"/>
-              <a:t>=0)</a:t>
-            </a:r>
-          </a:p>
-          <a:p>
-            <a:pPr marL="342900" indent="-342900">
-              <a:buAutoNum type="arabicPeriod"/>
-            </a:pPr>
-            <a:r>
-              <a:rPr lang="ko-KR" altLang="en-US" sz="1600"/>
-              <a:t>전송되는 </a:t>
-            </a:r>
-            <a:r>
-              <a:rPr lang="ko-KR" altLang="en-US" sz="1600" err="1"/>
-              <a:t>청크</a:t>
-            </a:r>
-            <a:r>
-              <a:rPr lang="ko-KR" altLang="en-US" sz="1600"/>
-              <a:t> 데이터를 </a:t>
-            </a:r>
-            <a:r>
-              <a:rPr lang="ko-KR" altLang="en-US" sz="1600" err="1"/>
-              <a:t>이어붙이기</a:t>
-            </a:r>
-          </a:p>
-          <a:p>
-            <a:pPr marL="342900" indent="-342900">
-              <a:buAutoNum type="arabicPeriod"/>
-            </a:pPr>
-            <a:r>
-              <a:rPr lang="ko-KR" altLang="en-US" sz="1600"/>
-              <a:t>업로드 완료 여부 판별 후 업로드 상태 제거</a:t>
-            </a:r>
           </a:p>
         </p:txBody>
       </p:sp>
@@ -8664,21 +8350,6 @@
 </file>
 
 <file path=customXml/item1.xml><?xml version="1.0" encoding="utf-8"?>
-<p:properties xmlns:p="http://schemas.microsoft.com/office/2006/metadata/properties" xmlns:xsi="http://www.w3.org/2001/XMLSchema-instance" xmlns:pc="http://schemas.microsoft.com/office/infopath/2007/PartnerControls">
-  <documentManagement/>
-</p:properties>
-</file>
-
-<file path=customXml/item2.xml><?xml version="1.0" encoding="utf-8"?>
-<?mso-contentType ?>
-<FormTemplates xmlns="http://schemas.microsoft.com/sharepoint/v3/contenttype/forms">
-  <Display>DocumentLibraryForm</Display>
-  <Edit>DocumentLibraryForm</Edit>
-  <New>DocumentLibraryForm</New>
-</FormTemplates>
-</file>
-
-<file path=customXml/item3.xml><?xml version="1.0" encoding="utf-8"?>
 <ct:contentTypeSchema xmlns:ct="http://schemas.microsoft.com/office/2006/metadata/contentType" xmlns:ma="http://schemas.microsoft.com/office/2006/metadata/properties/metaAttributes" ct:_="" ma:_="" ma:contentTypeName="Document" ma:contentTypeID="0x010100F3C272BBE3DAC44D890793853A1D2091" ma:contentTypeVersion="4" ma:contentTypeDescription="Create a new document." ma:contentTypeScope="" ma:versionID="a242910afc4b121454b225c3527dd585">
   <xsd:schema xmlns:xsd="http://www.w3.org/2001/XMLSchema" xmlns:xs="http://www.w3.org/2001/XMLSchema" xmlns:p="http://schemas.microsoft.com/office/2006/metadata/properties" xmlns:ns2="05b16aad-7caa-462c-9feb-1082ce9fb0ed" targetNamespace="http://schemas.microsoft.com/office/2006/metadata/properties" ma:root="true" ma:fieldsID="98169d95ac8eb5fc99634be81a3a28b0" ns2:_="">
     <xsd:import namespace="05b16aad-7caa-462c-9feb-1082ce9fb0ed"/>
@@ -8822,24 +8493,22 @@
 </ct:contentTypeSchema>
 </file>
 
-<file path=customXml/itemProps1.xml><?xml version="1.0" encoding="utf-8"?>
-<ds:datastoreItem xmlns:ds="http://schemas.openxmlformats.org/officeDocument/2006/customXml" ds:itemID="{FA60D103-DA47-441D-A865-E9AE923B6582}">
-  <ds:schemaRefs>
-    <ds:schemaRef ds:uri="http://schemas.microsoft.com/office/2006/metadata/properties"/>
-    <ds:schemaRef ds:uri="http://schemas.microsoft.com/office/infopath/2007/PartnerControls"/>
-  </ds:schemaRefs>
-</ds:datastoreItem>
+<file path=customXml/item2.xml><?xml version="1.0" encoding="utf-8"?>
+<p:properties xmlns:p="http://schemas.microsoft.com/office/2006/metadata/properties" xmlns:xsi="http://www.w3.org/2001/XMLSchema-instance" xmlns:pc="http://schemas.microsoft.com/office/infopath/2007/PartnerControls">
+  <documentManagement/>
+</p:properties>
 </file>
 
-<file path=customXml/itemProps2.xml><?xml version="1.0" encoding="utf-8"?>
-<ds:datastoreItem xmlns:ds="http://schemas.openxmlformats.org/officeDocument/2006/customXml" ds:itemID="{BB2208F3-78F3-4B84-B7BB-F42621CFF11C}">
-  <ds:schemaRefs>
-    <ds:schemaRef ds:uri="http://schemas.microsoft.com/sharepoint/v3/contenttype/forms"/>
-  </ds:schemaRefs>
-</ds:datastoreItem>
+<file path=customXml/item3.xml><?xml version="1.0" encoding="utf-8"?>
+<?mso-contentType ?>
+<FormTemplates xmlns="http://schemas.microsoft.com/sharepoint/v3/contenttype/forms">
+  <Display>DocumentLibraryForm</Display>
+  <Edit>DocumentLibraryForm</Edit>
+  <New>DocumentLibraryForm</New>
+</FormTemplates>
 </file>
 
-<file path=customXml/itemProps3.xml><?xml version="1.0" encoding="utf-8"?>
+<file path=customXml/itemProps1.xml><?xml version="1.0" encoding="utf-8"?>
 <ds:datastoreItem xmlns:ds="http://schemas.openxmlformats.org/officeDocument/2006/customXml" ds:itemID="{54B5783D-6831-4B16-A2D7-A7B2462BF07E}">
   <ds:schemaRefs>
     <ds:schemaRef ds:uri="05b16aad-7caa-462c-9feb-1082ce9fb0ed"/>
@@ -8855,4 +8524,21 @@
     <ds:schemaRef ds:uri="http://www.w3.org/2001/XMLSchema"/>
   </ds:schemaRefs>
 </ds:datastoreItem>
+</file>
+
+<file path=customXml/itemProps2.xml><?xml version="1.0" encoding="utf-8"?>
+<ds:datastoreItem xmlns:ds="http://schemas.openxmlformats.org/officeDocument/2006/customXml" ds:itemID="{FA60D103-DA47-441D-A865-E9AE923B6582}">
+  <ds:schemaRefs>
+    <ds:schemaRef ds:uri="http://schemas.microsoft.com/office/2006/metadata/properties"/>
+    <ds:schemaRef ds:uri="http://schemas.microsoft.com/office/infopath/2007/PartnerControls"/>
+  </ds:schemaRefs>
+</ds:datastoreItem>
+</file>
+
+<file path=customXml/itemProps3.xml><?xml version="1.0" encoding="utf-8"?>
+<ds:datastoreItem xmlns:ds="http://schemas.openxmlformats.org/officeDocument/2006/customXml" ds:itemID="{BB2208F3-78F3-4B84-B7BB-F42621CFF11C}">
+  <ds:schemaRefs>
+    <ds:schemaRef ds:uri="http://schemas.microsoft.com/sharepoint/v3/contenttype/forms"/>
+  </ds:schemaRefs>
+</ds:datastoreItem>
 </file>